--- a/LEDController Raspberry Pi/Build your own smart device.pptx
+++ b/LEDController Raspberry Pi/Build your own smart device.pptx
@@ -4,16 +4,25 @@
   <p:sldMasterIdLst>
     <p:sldMasterId id="2147483673" r:id="rId1"/>
   </p:sldMasterIdLst>
+  <p:notesMasterIdLst>
+    <p:notesMasterId r:id="rId17"/>
+  </p:notesMasterIdLst>
   <p:sldIdLst>
     <p:sldId id="257" r:id="rId2"/>
-    <p:sldId id="258" r:id="rId3"/>
+    <p:sldId id="267" r:id="rId3"/>
     <p:sldId id="259" r:id="rId4"/>
-    <p:sldId id="256" r:id="rId5"/>
-    <p:sldId id="260" r:id="rId6"/>
-    <p:sldId id="261" r:id="rId7"/>
-    <p:sldId id="262" r:id="rId8"/>
-    <p:sldId id="263" r:id="rId9"/>
-    <p:sldId id="264" r:id="rId10"/>
+    <p:sldId id="258" r:id="rId5"/>
+    <p:sldId id="269" r:id="rId6"/>
+    <p:sldId id="270" r:id="rId7"/>
+    <p:sldId id="268" r:id="rId8"/>
+    <p:sldId id="260" r:id="rId9"/>
+    <p:sldId id="261" r:id="rId10"/>
+    <p:sldId id="265" r:id="rId11"/>
+    <p:sldId id="262" r:id="rId12"/>
+    <p:sldId id="266" r:id="rId13"/>
+    <p:sldId id="263" r:id="rId14"/>
+    <p:sldId id="271" r:id="rId15"/>
+    <p:sldId id="264" r:id="rId16"/>
   </p:sldIdLst>
   <p:sldSz cx="12192000" cy="6858000"/>
   <p:notesSz cx="6858000" cy="9144000"/>
@@ -112,7 +121,1286 @@
       </a:defRPr>
     </a:lvl9pPr>
   </p:defaultTextStyle>
+  <p:extLst>
+    <p:ext uri="{EFAFB233-063F-42B5-8137-9DF3F51BA10A}">
+      <p15:sldGuideLst xmlns:p15="http://schemas.microsoft.com/office/powerpoint/2012/main"/>
+    </p:ext>
+  </p:extLst>
 </p:presentation>
+</file>
+
+<file path=ppt/notesMasters/notesMaster1.xml><?xml version="1.0" encoding="utf-8"?>
+<p:notesMaster xmlns:a="http://schemas.openxmlformats.org/drawingml/2006/main" xmlns:r="http://schemas.openxmlformats.org/officeDocument/2006/relationships" xmlns:p="http://schemas.openxmlformats.org/presentationml/2006/main">
+  <p:cSld>
+    <p:bg>
+      <p:bgRef idx="1001">
+        <a:schemeClr val="bg1"/>
+      </p:bgRef>
+    </p:bg>
+    <p:spTree>
+      <p:nvGrpSpPr>
+        <p:cNvPr id="1" name=""/>
+        <p:cNvGrpSpPr/>
+        <p:nvPr/>
+      </p:nvGrpSpPr>
+      <p:grpSpPr>
+        <a:xfrm>
+          <a:off x="0" y="0"/>
+          <a:ext cx="0" cy="0"/>
+          <a:chOff x="0" y="0"/>
+          <a:chExt cx="0" cy="0"/>
+        </a:xfrm>
+      </p:grpSpPr>
+      <p:sp>
+        <p:nvSpPr>
+          <p:cNvPr id="2" name="Header Placeholder 1"/>
+          <p:cNvSpPr>
+            <a:spLocks noGrp="1"/>
+          </p:cNvSpPr>
+          <p:nvPr>
+            <p:ph type="hdr" sz="quarter"/>
+          </p:nvPr>
+        </p:nvSpPr>
+        <p:spPr>
+          <a:xfrm>
+            <a:off x="0" y="0"/>
+            <a:ext cx="2971800" cy="458788"/>
+          </a:xfrm>
+          <a:prstGeom prst="rect">
+            <a:avLst/>
+          </a:prstGeom>
+        </p:spPr>
+        <p:txBody>
+          <a:bodyPr vert="horz" lIns="91440" tIns="45720" rIns="91440" bIns="45720" rtlCol="0"/>
+          <a:lstStyle>
+            <a:lvl1pPr algn="l">
+              <a:defRPr sz="1200"/>
+            </a:lvl1pPr>
+          </a:lstStyle>
+          <a:p>
+            <a:endParaRPr lang="en-US"/>
+          </a:p>
+        </p:txBody>
+      </p:sp>
+      <p:sp>
+        <p:nvSpPr>
+          <p:cNvPr id="3" name="Date Placeholder 2"/>
+          <p:cNvSpPr>
+            <a:spLocks noGrp="1"/>
+          </p:cNvSpPr>
+          <p:nvPr>
+            <p:ph type="dt" idx="1"/>
+          </p:nvPr>
+        </p:nvSpPr>
+        <p:spPr>
+          <a:xfrm>
+            <a:off x="3884613" y="0"/>
+            <a:ext cx="2971800" cy="458788"/>
+          </a:xfrm>
+          <a:prstGeom prst="rect">
+            <a:avLst/>
+          </a:prstGeom>
+        </p:spPr>
+        <p:txBody>
+          <a:bodyPr vert="horz" lIns="91440" tIns="45720" rIns="91440" bIns="45720" rtlCol="0"/>
+          <a:lstStyle>
+            <a:lvl1pPr algn="r">
+              <a:defRPr sz="1200"/>
+            </a:lvl1pPr>
+          </a:lstStyle>
+          <a:p>
+            <a:fld id="{79ABB755-A9CB-FC48-B042-E6BB0787D109}" type="datetimeFigureOut">
+              <a:rPr lang="en-US" smtClean="0"/>
+              <a:t>10/28/20</a:t>
+            </a:fld>
+            <a:endParaRPr lang="en-US"/>
+          </a:p>
+        </p:txBody>
+      </p:sp>
+      <p:sp>
+        <p:nvSpPr>
+          <p:cNvPr id="4" name="Slide Image Placeholder 3"/>
+          <p:cNvSpPr>
+            <a:spLocks noGrp="1" noRot="1" noChangeAspect="1"/>
+          </p:cNvSpPr>
+          <p:nvPr>
+            <p:ph type="sldImg" idx="2"/>
+          </p:nvPr>
+        </p:nvSpPr>
+        <p:spPr>
+          <a:xfrm>
+            <a:off x="685800" y="1143000"/>
+            <a:ext cx="5486400" cy="3086100"/>
+          </a:xfrm>
+          <a:prstGeom prst="rect">
+            <a:avLst/>
+          </a:prstGeom>
+          <a:noFill/>
+          <a:ln w="12700">
+            <a:solidFill>
+              <a:prstClr val="black"/>
+            </a:solidFill>
+          </a:ln>
+        </p:spPr>
+        <p:txBody>
+          <a:bodyPr vert="horz" lIns="91440" tIns="45720" rIns="91440" bIns="45720" rtlCol="0" anchor="ctr"/>
+          <a:lstStyle/>
+          <a:p>
+            <a:endParaRPr lang="en-US"/>
+          </a:p>
+        </p:txBody>
+      </p:sp>
+      <p:sp>
+        <p:nvSpPr>
+          <p:cNvPr id="5" name="Notes Placeholder 4"/>
+          <p:cNvSpPr>
+            <a:spLocks noGrp="1"/>
+          </p:cNvSpPr>
+          <p:nvPr>
+            <p:ph type="body" sz="quarter" idx="3"/>
+          </p:nvPr>
+        </p:nvSpPr>
+        <p:spPr>
+          <a:xfrm>
+            <a:off x="685800" y="4400550"/>
+            <a:ext cx="5486400" cy="3600450"/>
+          </a:xfrm>
+          <a:prstGeom prst="rect">
+            <a:avLst/>
+          </a:prstGeom>
+        </p:spPr>
+        <p:txBody>
+          <a:bodyPr vert="horz" lIns="91440" tIns="45720" rIns="91440" bIns="45720" rtlCol="0"/>
+          <a:lstStyle/>
+          <a:p>
+            <a:pPr lvl="0"/>
+            <a:r>
+              <a:rPr lang="en-US"/>
+              <a:t>Click to edit Master text styles</a:t>
+            </a:r>
+          </a:p>
+          <a:p>
+            <a:pPr lvl="1"/>
+            <a:r>
+              <a:rPr lang="en-US"/>
+              <a:t>Second level</a:t>
+            </a:r>
+          </a:p>
+          <a:p>
+            <a:pPr lvl="2"/>
+            <a:r>
+              <a:rPr lang="en-US"/>
+              <a:t>Third level</a:t>
+            </a:r>
+          </a:p>
+          <a:p>
+            <a:pPr lvl="3"/>
+            <a:r>
+              <a:rPr lang="en-US"/>
+              <a:t>Fourth level</a:t>
+            </a:r>
+          </a:p>
+          <a:p>
+            <a:pPr lvl="4"/>
+            <a:r>
+              <a:rPr lang="en-US"/>
+              <a:t>Fifth level</a:t>
+            </a:r>
+          </a:p>
+        </p:txBody>
+      </p:sp>
+      <p:sp>
+        <p:nvSpPr>
+          <p:cNvPr id="6" name="Footer Placeholder 5"/>
+          <p:cNvSpPr>
+            <a:spLocks noGrp="1"/>
+          </p:cNvSpPr>
+          <p:nvPr>
+            <p:ph type="ftr" sz="quarter" idx="4"/>
+          </p:nvPr>
+        </p:nvSpPr>
+        <p:spPr>
+          <a:xfrm>
+            <a:off x="0" y="8685213"/>
+            <a:ext cx="2971800" cy="458787"/>
+          </a:xfrm>
+          <a:prstGeom prst="rect">
+            <a:avLst/>
+          </a:prstGeom>
+        </p:spPr>
+        <p:txBody>
+          <a:bodyPr vert="horz" lIns="91440" tIns="45720" rIns="91440" bIns="45720" rtlCol="0" anchor="b"/>
+          <a:lstStyle>
+            <a:lvl1pPr algn="l">
+              <a:defRPr sz="1200"/>
+            </a:lvl1pPr>
+          </a:lstStyle>
+          <a:p>
+            <a:endParaRPr lang="en-US"/>
+          </a:p>
+        </p:txBody>
+      </p:sp>
+      <p:sp>
+        <p:nvSpPr>
+          <p:cNvPr id="7" name="Slide Number Placeholder 6"/>
+          <p:cNvSpPr>
+            <a:spLocks noGrp="1"/>
+          </p:cNvSpPr>
+          <p:nvPr>
+            <p:ph type="sldNum" sz="quarter" idx="5"/>
+          </p:nvPr>
+        </p:nvSpPr>
+        <p:spPr>
+          <a:xfrm>
+            <a:off x="3884613" y="8685213"/>
+            <a:ext cx="2971800" cy="458787"/>
+          </a:xfrm>
+          <a:prstGeom prst="rect">
+            <a:avLst/>
+          </a:prstGeom>
+        </p:spPr>
+        <p:txBody>
+          <a:bodyPr vert="horz" lIns="91440" tIns="45720" rIns="91440" bIns="45720" rtlCol="0" anchor="b"/>
+          <a:lstStyle>
+            <a:lvl1pPr algn="r">
+              <a:defRPr sz="1200"/>
+            </a:lvl1pPr>
+          </a:lstStyle>
+          <a:p>
+            <a:fld id="{FCD24C7E-66F2-254F-B09C-940F4A08C648}" type="slidenum">
+              <a:rPr lang="en-US" smtClean="0"/>
+              <a:t>‹#›</a:t>
+            </a:fld>
+            <a:endParaRPr lang="en-US"/>
+          </a:p>
+        </p:txBody>
+      </p:sp>
+    </p:spTree>
+    <p:extLst>
+      <p:ext uri="{BB962C8B-B14F-4D97-AF65-F5344CB8AC3E}">
+        <p14:creationId xmlns:p14="http://schemas.microsoft.com/office/powerpoint/2010/main" val="859665627"/>
+      </p:ext>
+    </p:extLst>
+  </p:cSld>
+  <p:clrMap bg1="lt1" tx1="dk1" bg2="lt2" tx2="dk2" accent1="accent1" accent2="accent2" accent3="accent3" accent4="accent4" accent5="accent5" accent6="accent6" hlink="hlink" folHlink="folHlink"/>
+  <p:notesStyle>
+    <a:lvl1pPr marL="0" algn="l" defTabSz="914400" rtl="0" eaLnBrk="1" latinLnBrk="0" hangingPunct="1">
+      <a:defRPr sz="1200" kern="1200">
+        <a:solidFill>
+          <a:schemeClr val="tx1"/>
+        </a:solidFill>
+        <a:latin typeface="+mn-lt"/>
+        <a:ea typeface="+mn-ea"/>
+        <a:cs typeface="+mn-cs"/>
+      </a:defRPr>
+    </a:lvl1pPr>
+    <a:lvl2pPr marL="457200" algn="l" defTabSz="914400" rtl="0" eaLnBrk="1" latinLnBrk="0" hangingPunct="1">
+      <a:defRPr sz="1200" kern="1200">
+        <a:solidFill>
+          <a:schemeClr val="tx1"/>
+        </a:solidFill>
+        <a:latin typeface="+mn-lt"/>
+        <a:ea typeface="+mn-ea"/>
+        <a:cs typeface="+mn-cs"/>
+      </a:defRPr>
+    </a:lvl2pPr>
+    <a:lvl3pPr marL="914400" algn="l" defTabSz="914400" rtl="0" eaLnBrk="1" latinLnBrk="0" hangingPunct="1">
+      <a:defRPr sz="1200" kern="1200">
+        <a:solidFill>
+          <a:schemeClr val="tx1"/>
+        </a:solidFill>
+        <a:latin typeface="+mn-lt"/>
+        <a:ea typeface="+mn-ea"/>
+        <a:cs typeface="+mn-cs"/>
+      </a:defRPr>
+    </a:lvl3pPr>
+    <a:lvl4pPr marL="1371600" algn="l" defTabSz="914400" rtl="0" eaLnBrk="1" latinLnBrk="0" hangingPunct="1">
+      <a:defRPr sz="1200" kern="1200">
+        <a:solidFill>
+          <a:schemeClr val="tx1"/>
+        </a:solidFill>
+        <a:latin typeface="+mn-lt"/>
+        <a:ea typeface="+mn-ea"/>
+        <a:cs typeface="+mn-cs"/>
+      </a:defRPr>
+    </a:lvl4pPr>
+    <a:lvl5pPr marL="1828800" algn="l" defTabSz="914400" rtl="0" eaLnBrk="1" latinLnBrk="0" hangingPunct="1">
+      <a:defRPr sz="1200" kern="1200">
+        <a:solidFill>
+          <a:schemeClr val="tx1"/>
+        </a:solidFill>
+        <a:latin typeface="+mn-lt"/>
+        <a:ea typeface="+mn-ea"/>
+        <a:cs typeface="+mn-cs"/>
+      </a:defRPr>
+    </a:lvl5pPr>
+    <a:lvl6pPr marL="2286000" algn="l" defTabSz="914400" rtl="0" eaLnBrk="1" latinLnBrk="0" hangingPunct="1">
+      <a:defRPr sz="1200" kern="1200">
+        <a:solidFill>
+          <a:schemeClr val="tx1"/>
+        </a:solidFill>
+        <a:latin typeface="+mn-lt"/>
+        <a:ea typeface="+mn-ea"/>
+        <a:cs typeface="+mn-cs"/>
+      </a:defRPr>
+    </a:lvl6pPr>
+    <a:lvl7pPr marL="2743200" algn="l" defTabSz="914400" rtl="0" eaLnBrk="1" latinLnBrk="0" hangingPunct="1">
+      <a:defRPr sz="1200" kern="1200">
+        <a:solidFill>
+          <a:schemeClr val="tx1"/>
+        </a:solidFill>
+        <a:latin typeface="+mn-lt"/>
+        <a:ea typeface="+mn-ea"/>
+        <a:cs typeface="+mn-cs"/>
+      </a:defRPr>
+    </a:lvl7pPr>
+    <a:lvl8pPr marL="3200400" algn="l" defTabSz="914400" rtl="0" eaLnBrk="1" latinLnBrk="0" hangingPunct="1">
+      <a:defRPr sz="1200" kern="1200">
+        <a:solidFill>
+          <a:schemeClr val="tx1"/>
+        </a:solidFill>
+        <a:latin typeface="+mn-lt"/>
+        <a:ea typeface="+mn-ea"/>
+        <a:cs typeface="+mn-cs"/>
+      </a:defRPr>
+    </a:lvl8pPr>
+    <a:lvl9pPr marL="3657600" algn="l" defTabSz="914400" rtl="0" eaLnBrk="1" latinLnBrk="0" hangingPunct="1">
+      <a:defRPr sz="1200" kern="1200">
+        <a:solidFill>
+          <a:schemeClr val="tx1"/>
+        </a:solidFill>
+        <a:latin typeface="+mn-lt"/>
+        <a:ea typeface="+mn-ea"/>
+        <a:cs typeface="+mn-cs"/>
+      </a:defRPr>
+    </a:lvl9pPr>
+  </p:notesStyle>
+</p:notesMaster>
+</file>
+
+<file path=ppt/notesSlides/notesSlide1.xml><?xml version="1.0" encoding="utf-8"?>
+<p:notes xmlns:a="http://schemas.openxmlformats.org/drawingml/2006/main" xmlns:r="http://schemas.openxmlformats.org/officeDocument/2006/relationships" xmlns:p="http://schemas.openxmlformats.org/presentationml/2006/main">
+  <p:cSld>
+    <p:spTree>
+      <p:nvGrpSpPr>
+        <p:cNvPr id="1" name=""/>
+        <p:cNvGrpSpPr/>
+        <p:nvPr/>
+      </p:nvGrpSpPr>
+      <p:grpSpPr>
+        <a:xfrm>
+          <a:off x="0" y="0"/>
+          <a:ext cx="0" cy="0"/>
+          <a:chOff x="0" y="0"/>
+          <a:chExt cx="0" cy="0"/>
+        </a:xfrm>
+      </p:grpSpPr>
+      <p:sp>
+        <p:nvSpPr>
+          <p:cNvPr id="2" name="Slide Image Placeholder 1"/>
+          <p:cNvSpPr>
+            <a:spLocks noGrp="1" noRot="1" noChangeAspect="1"/>
+          </p:cNvSpPr>
+          <p:nvPr>
+            <p:ph type="sldImg"/>
+          </p:nvPr>
+        </p:nvSpPr>
+        <p:spPr/>
+      </p:sp>
+      <p:sp>
+        <p:nvSpPr>
+          <p:cNvPr id="3" name="Notes Placeholder 2"/>
+          <p:cNvSpPr>
+            <a:spLocks noGrp="1"/>
+          </p:cNvSpPr>
+          <p:nvPr>
+            <p:ph type="body" idx="1"/>
+          </p:nvPr>
+        </p:nvSpPr>
+        <p:spPr/>
+        <p:txBody>
+          <a:bodyPr/>
+          <a:lstStyle/>
+          <a:p>
+            <a:r>
+              <a:rPr lang="en-US" dirty="0"/>
+              <a:t>Put slide in Slideshow mode in one desktop.</a:t>
+            </a:r>
+          </a:p>
+          <a:p>
+            <a:endParaRPr lang="en-US" dirty="0"/>
+          </a:p>
+          <a:p>
+            <a:r>
+              <a:rPr lang="en-US" dirty="0"/>
+              <a:t>Open Folder that contains the code in VS Code.</a:t>
+            </a:r>
+          </a:p>
+          <a:p>
+            <a:endParaRPr lang="en-US" dirty="0"/>
+          </a:p>
+          <a:p>
+            <a:r>
+              <a:rPr lang="en-US" dirty="0"/>
+              <a:t>Screen share whole screen.</a:t>
+            </a:r>
+          </a:p>
+        </p:txBody>
+      </p:sp>
+      <p:sp>
+        <p:nvSpPr>
+          <p:cNvPr id="4" name="Slide Number Placeholder 3"/>
+          <p:cNvSpPr>
+            <a:spLocks noGrp="1"/>
+          </p:cNvSpPr>
+          <p:nvPr>
+            <p:ph type="sldNum" sz="quarter" idx="5"/>
+          </p:nvPr>
+        </p:nvSpPr>
+        <p:spPr/>
+        <p:txBody>
+          <a:bodyPr/>
+          <a:lstStyle/>
+          <a:p>
+            <a:fld id="{FCD24C7E-66F2-254F-B09C-940F4A08C648}" type="slidenum">
+              <a:rPr lang="en-US" smtClean="0"/>
+              <a:t>1</a:t>
+            </a:fld>
+            <a:endParaRPr lang="en-US"/>
+          </a:p>
+        </p:txBody>
+      </p:sp>
+    </p:spTree>
+    <p:extLst>
+      <p:ext uri="{BB962C8B-B14F-4D97-AF65-F5344CB8AC3E}">
+        <p14:creationId xmlns:p14="http://schemas.microsoft.com/office/powerpoint/2010/main" val="263393142"/>
+      </p:ext>
+    </p:extLst>
+  </p:cSld>
+  <p:clrMapOvr>
+    <a:masterClrMapping/>
+  </p:clrMapOvr>
+</p:notes>
+</file>
+
+<file path=ppt/notesSlides/notesSlide10.xml><?xml version="1.0" encoding="utf-8"?>
+<p:notes xmlns:a="http://schemas.openxmlformats.org/drawingml/2006/main" xmlns:r="http://schemas.openxmlformats.org/officeDocument/2006/relationships" xmlns:p="http://schemas.openxmlformats.org/presentationml/2006/main">
+  <p:cSld>
+    <p:spTree>
+      <p:nvGrpSpPr>
+        <p:cNvPr id="1" name=""/>
+        <p:cNvGrpSpPr/>
+        <p:nvPr/>
+      </p:nvGrpSpPr>
+      <p:grpSpPr>
+        <a:xfrm>
+          <a:off x="0" y="0"/>
+          <a:ext cx="0" cy="0"/>
+          <a:chOff x="0" y="0"/>
+          <a:chExt cx="0" cy="0"/>
+        </a:xfrm>
+      </p:grpSpPr>
+      <p:sp>
+        <p:nvSpPr>
+          <p:cNvPr id="2" name="Slide Image Placeholder 1"/>
+          <p:cNvSpPr>
+            <a:spLocks noGrp="1" noRot="1" noChangeAspect="1"/>
+          </p:cNvSpPr>
+          <p:nvPr>
+            <p:ph type="sldImg"/>
+          </p:nvPr>
+        </p:nvSpPr>
+        <p:spPr/>
+      </p:sp>
+      <p:sp>
+        <p:nvSpPr>
+          <p:cNvPr id="3" name="Notes Placeholder 2"/>
+          <p:cNvSpPr>
+            <a:spLocks noGrp="1"/>
+          </p:cNvSpPr>
+          <p:nvPr>
+            <p:ph type="body" idx="1"/>
+          </p:nvPr>
+        </p:nvSpPr>
+        <p:spPr/>
+        <p:txBody>
+          <a:bodyPr/>
+          <a:lstStyle/>
+          <a:p>
+            <a:r>
+              <a:rPr lang="en-US" dirty="0"/>
+              <a:t>Don't connect electric devices directly along with your IoT setup as the system we are developing is not tested thoroughly and can be harmful. You can try small utilities that interest you.</a:t>
+            </a:r>
+          </a:p>
+        </p:txBody>
+      </p:sp>
+      <p:sp>
+        <p:nvSpPr>
+          <p:cNvPr id="4" name="Slide Number Placeholder 3"/>
+          <p:cNvSpPr>
+            <a:spLocks noGrp="1"/>
+          </p:cNvSpPr>
+          <p:nvPr>
+            <p:ph type="sldNum" sz="quarter" idx="5"/>
+          </p:nvPr>
+        </p:nvSpPr>
+        <p:spPr/>
+        <p:txBody>
+          <a:bodyPr/>
+          <a:lstStyle/>
+          <a:p>
+            <a:fld id="{FCD24C7E-66F2-254F-B09C-940F4A08C648}" type="slidenum">
+              <a:rPr lang="en-US" smtClean="0"/>
+              <a:t>15</a:t>
+            </a:fld>
+            <a:endParaRPr lang="en-US"/>
+          </a:p>
+        </p:txBody>
+      </p:sp>
+    </p:spTree>
+    <p:extLst>
+      <p:ext uri="{BB962C8B-B14F-4D97-AF65-F5344CB8AC3E}">
+        <p14:creationId xmlns:p14="http://schemas.microsoft.com/office/powerpoint/2010/main" val="2166934125"/>
+      </p:ext>
+    </p:extLst>
+  </p:cSld>
+  <p:clrMapOvr>
+    <a:masterClrMapping/>
+  </p:clrMapOvr>
+</p:notes>
+</file>
+
+<file path=ppt/notesSlides/notesSlide2.xml><?xml version="1.0" encoding="utf-8"?>
+<p:notes xmlns:a="http://schemas.openxmlformats.org/drawingml/2006/main" xmlns:r="http://schemas.openxmlformats.org/officeDocument/2006/relationships" xmlns:p="http://schemas.openxmlformats.org/presentationml/2006/main">
+  <p:cSld>
+    <p:spTree>
+      <p:nvGrpSpPr>
+        <p:cNvPr id="1" name=""/>
+        <p:cNvGrpSpPr/>
+        <p:nvPr/>
+      </p:nvGrpSpPr>
+      <p:grpSpPr>
+        <a:xfrm>
+          <a:off x="0" y="0"/>
+          <a:ext cx="0" cy="0"/>
+          <a:chOff x="0" y="0"/>
+          <a:chExt cx="0" cy="0"/>
+        </a:xfrm>
+      </p:grpSpPr>
+      <p:sp>
+        <p:nvSpPr>
+          <p:cNvPr id="2" name="Slide Image Placeholder 1"/>
+          <p:cNvSpPr>
+            <a:spLocks noGrp="1" noRot="1" noChangeAspect="1"/>
+          </p:cNvSpPr>
+          <p:nvPr>
+            <p:ph type="sldImg"/>
+          </p:nvPr>
+        </p:nvSpPr>
+        <p:spPr/>
+      </p:sp>
+      <p:sp>
+        <p:nvSpPr>
+          <p:cNvPr id="3" name="Notes Placeholder 2"/>
+          <p:cNvSpPr>
+            <a:spLocks noGrp="1"/>
+          </p:cNvSpPr>
+          <p:nvPr>
+            <p:ph type="body" idx="1"/>
+          </p:nvPr>
+        </p:nvSpPr>
+        <p:spPr/>
+        <p:txBody>
+          <a:bodyPr/>
+          <a:lstStyle/>
+          <a:p>
+            <a:r>
+              <a:rPr lang="en-US" dirty="0"/>
+              <a:t>Hi everyone, This is Aswin Prasad. I am here today to give you an introduction about IoT and then a quick tutorial to build your IoT device using Raspberry Pi, sensors, a little bit of programming, and finally I will talk about the possibilities of what can be done further with IoT.</a:t>
+            </a:r>
+          </a:p>
+          <a:p>
+            <a:endParaRPr lang="en-US" dirty="0"/>
+          </a:p>
+          <a:p>
+            <a:r>
+              <a:rPr lang="en-US" dirty="0"/>
+              <a:t>The session contents will be available in our materials library website, feel free to use the website to get access to the video and references mentioned in this session and the </a:t>
+            </a:r>
+            <a:r>
+              <a:rPr lang="en-US" dirty="0" err="1"/>
+              <a:t>github</a:t>
+            </a:r>
+            <a:r>
+              <a:rPr lang="en-US" dirty="0"/>
+              <a:t> link for the project will also be there.</a:t>
+            </a:r>
+          </a:p>
+        </p:txBody>
+      </p:sp>
+      <p:sp>
+        <p:nvSpPr>
+          <p:cNvPr id="4" name="Slide Number Placeholder 3"/>
+          <p:cNvSpPr>
+            <a:spLocks noGrp="1"/>
+          </p:cNvSpPr>
+          <p:nvPr>
+            <p:ph type="sldNum" sz="quarter" idx="5"/>
+          </p:nvPr>
+        </p:nvSpPr>
+        <p:spPr/>
+        <p:txBody>
+          <a:bodyPr/>
+          <a:lstStyle/>
+          <a:p>
+            <a:fld id="{FCD24C7E-66F2-254F-B09C-940F4A08C648}" type="slidenum">
+              <a:rPr lang="en-US" smtClean="0"/>
+              <a:t>2</a:t>
+            </a:fld>
+            <a:endParaRPr lang="en-US"/>
+          </a:p>
+        </p:txBody>
+      </p:sp>
+    </p:spTree>
+    <p:extLst>
+      <p:ext uri="{BB962C8B-B14F-4D97-AF65-F5344CB8AC3E}">
+        <p14:creationId xmlns:p14="http://schemas.microsoft.com/office/powerpoint/2010/main" val="2951561419"/>
+      </p:ext>
+    </p:extLst>
+  </p:cSld>
+  <p:clrMapOvr>
+    <a:masterClrMapping/>
+  </p:clrMapOvr>
+</p:notes>
+</file>
+
+<file path=ppt/notesSlides/notesSlide3.xml><?xml version="1.0" encoding="utf-8"?>
+<p:notes xmlns:a="http://schemas.openxmlformats.org/drawingml/2006/main" xmlns:r="http://schemas.openxmlformats.org/officeDocument/2006/relationships" xmlns:p="http://schemas.openxmlformats.org/presentationml/2006/main">
+  <p:cSld>
+    <p:spTree>
+      <p:nvGrpSpPr>
+        <p:cNvPr id="1" name=""/>
+        <p:cNvGrpSpPr/>
+        <p:nvPr/>
+      </p:nvGrpSpPr>
+      <p:grpSpPr>
+        <a:xfrm>
+          <a:off x="0" y="0"/>
+          <a:ext cx="0" cy="0"/>
+          <a:chOff x="0" y="0"/>
+          <a:chExt cx="0" cy="0"/>
+        </a:xfrm>
+      </p:grpSpPr>
+      <p:sp>
+        <p:nvSpPr>
+          <p:cNvPr id="2" name="Slide Image Placeholder 1"/>
+          <p:cNvSpPr>
+            <a:spLocks noGrp="1" noRot="1" noChangeAspect="1"/>
+          </p:cNvSpPr>
+          <p:nvPr>
+            <p:ph type="sldImg"/>
+          </p:nvPr>
+        </p:nvSpPr>
+        <p:spPr/>
+      </p:sp>
+      <p:sp>
+        <p:nvSpPr>
+          <p:cNvPr id="3" name="Notes Placeholder 2"/>
+          <p:cNvSpPr>
+            <a:spLocks noGrp="1"/>
+          </p:cNvSpPr>
+          <p:nvPr>
+            <p:ph type="body" idx="1"/>
+          </p:nvPr>
+        </p:nvSpPr>
+        <p:spPr/>
+        <p:txBody>
+          <a:bodyPr/>
+          <a:lstStyle/>
+          <a:p>
+            <a:r>
+              <a:rPr lang="en-US" dirty="0"/>
+              <a:t>Basically, the Internet of Things is a concept in which there will be physical devices that are connected to the internet and they collect data from or output data to the world. These devices include everything from phones, smartwatches, smart home devices. Many devices that once had only physical interfaces are connected to internet and are part of Internet of Things.</a:t>
+            </a:r>
+          </a:p>
+        </p:txBody>
+      </p:sp>
+      <p:sp>
+        <p:nvSpPr>
+          <p:cNvPr id="4" name="Slide Number Placeholder 3"/>
+          <p:cNvSpPr>
+            <a:spLocks noGrp="1"/>
+          </p:cNvSpPr>
+          <p:nvPr>
+            <p:ph type="sldNum" sz="quarter" idx="5"/>
+          </p:nvPr>
+        </p:nvSpPr>
+        <p:spPr/>
+        <p:txBody>
+          <a:bodyPr/>
+          <a:lstStyle/>
+          <a:p>
+            <a:fld id="{FCD24C7E-66F2-254F-B09C-940F4A08C648}" type="slidenum">
+              <a:rPr lang="en-US" smtClean="0"/>
+              <a:t>3</a:t>
+            </a:fld>
+            <a:endParaRPr lang="en-US"/>
+          </a:p>
+        </p:txBody>
+      </p:sp>
+    </p:spTree>
+    <p:extLst>
+      <p:ext uri="{BB962C8B-B14F-4D97-AF65-F5344CB8AC3E}">
+        <p14:creationId xmlns:p14="http://schemas.microsoft.com/office/powerpoint/2010/main" val="1760902279"/>
+      </p:ext>
+    </p:extLst>
+  </p:cSld>
+  <p:clrMapOvr>
+    <a:masterClrMapping/>
+  </p:clrMapOvr>
+</p:notes>
+</file>
+
+<file path=ppt/notesSlides/notesSlide4.xml><?xml version="1.0" encoding="utf-8"?>
+<p:notes xmlns:a="http://schemas.openxmlformats.org/drawingml/2006/main" xmlns:r="http://schemas.openxmlformats.org/officeDocument/2006/relationships" xmlns:p="http://schemas.openxmlformats.org/presentationml/2006/main">
+  <p:cSld>
+    <p:spTree>
+      <p:nvGrpSpPr>
+        <p:cNvPr id="1" name=""/>
+        <p:cNvGrpSpPr/>
+        <p:nvPr/>
+      </p:nvGrpSpPr>
+      <p:grpSpPr>
+        <a:xfrm>
+          <a:off x="0" y="0"/>
+          <a:ext cx="0" cy="0"/>
+          <a:chOff x="0" y="0"/>
+          <a:chExt cx="0" cy="0"/>
+        </a:xfrm>
+      </p:grpSpPr>
+      <p:sp>
+        <p:nvSpPr>
+          <p:cNvPr id="2" name="Slide Image Placeholder 1"/>
+          <p:cNvSpPr>
+            <a:spLocks noGrp="1" noRot="1" noChangeAspect="1"/>
+          </p:cNvSpPr>
+          <p:nvPr>
+            <p:ph type="sldImg"/>
+          </p:nvPr>
+        </p:nvSpPr>
+        <p:spPr/>
+      </p:sp>
+      <p:sp>
+        <p:nvSpPr>
+          <p:cNvPr id="3" name="Notes Placeholder 2"/>
+          <p:cNvSpPr>
+            <a:spLocks noGrp="1"/>
+          </p:cNvSpPr>
+          <p:nvPr>
+            <p:ph type="body" idx="1"/>
+          </p:nvPr>
+        </p:nvSpPr>
+        <p:spPr/>
+        <p:txBody>
+          <a:bodyPr/>
+          <a:lstStyle/>
+          <a:p>
+            <a:r>
+              <a:rPr lang="en-US" dirty="0"/>
+              <a:t>1. Now, I am going to explain to you how you can create your smart home device. For this, we are going to have a web page, which will be used to control a led bulb.</a:t>
+            </a:r>
+          </a:p>
+          <a:p>
+            <a:r>
+              <a:rPr lang="en-US" dirty="0"/>
+              <a:t>2. The bulb can be either switched on or off based on the user input in the webpage.</a:t>
+            </a:r>
+          </a:p>
+        </p:txBody>
+      </p:sp>
+      <p:sp>
+        <p:nvSpPr>
+          <p:cNvPr id="4" name="Slide Number Placeholder 3"/>
+          <p:cNvSpPr>
+            <a:spLocks noGrp="1"/>
+          </p:cNvSpPr>
+          <p:nvPr>
+            <p:ph type="sldNum" sz="quarter" idx="5"/>
+          </p:nvPr>
+        </p:nvSpPr>
+        <p:spPr/>
+        <p:txBody>
+          <a:bodyPr/>
+          <a:lstStyle/>
+          <a:p>
+            <a:fld id="{FCD24C7E-66F2-254F-B09C-940F4A08C648}" type="slidenum">
+              <a:rPr lang="en-US" smtClean="0"/>
+              <a:t>5</a:t>
+            </a:fld>
+            <a:endParaRPr lang="en-US"/>
+          </a:p>
+        </p:txBody>
+      </p:sp>
+    </p:spTree>
+    <p:extLst>
+      <p:ext uri="{BB962C8B-B14F-4D97-AF65-F5344CB8AC3E}">
+        <p14:creationId xmlns:p14="http://schemas.microsoft.com/office/powerpoint/2010/main" val="4106393963"/>
+      </p:ext>
+    </p:extLst>
+  </p:cSld>
+  <p:clrMapOvr>
+    <a:masterClrMapping/>
+  </p:clrMapOvr>
+</p:notes>
+</file>
+
+<file path=ppt/notesSlides/notesSlide5.xml><?xml version="1.0" encoding="utf-8"?>
+<p:notes xmlns:a="http://schemas.openxmlformats.org/drawingml/2006/main" xmlns:r="http://schemas.openxmlformats.org/officeDocument/2006/relationships" xmlns:p="http://schemas.openxmlformats.org/presentationml/2006/main">
+  <p:cSld>
+    <p:spTree>
+      <p:nvGrpSpPr>
+        <p:cNvPr id="1" name=""/>
+        <p:cNvGrpSpPr/>
+        <p:nvPr/>
+      </p:nvGrpSpPr>
+      <p:grpSpPr>
+        <a:xfrm>
+          <a:off x="0" y="0"/>
+          <a:ext cx="0" cy="0"/>
+          <a:chOff x="0" y="0"/>
+          <a:chExt cx="0" cy="0"/>
+        </a:xfrm>
+      </p:grpSpPr>
+      <p:sp>
+        <p:nvSpPr>
+          <p:cNvPr id="2" name="Slide Image Placeholder 1"/>
+          <p:cNvSpPr>
+            <a:spLocks noGrp="1" noRot="1" noChangeAspect="1"/>
+          </p:cNvSpPr>
+          <p:nvPr>
+            <p:ph type="sldImg"/>
+          </p:nvPr>
+        </p:nvSpPr>
+        <p:spPr/>
+      </p:sp>
+      <p:sp>
+        <p:nvSpPr>
+          <p:cNvPr id="3" name="Notes Placeholder 2"/>
+          <p:cNvSpPr>
+            <a:spLocks noGrp="1"/>
+          </p:cNvSpPr>
+          <p:nvPr>
+            <p:ph type="body" idx="1"/>
+          </p:nvPr>
+        </p:nvSpPr>
+        <p:spPr/>
+        <p:txBody>
+          <a:bodyPr/>
+          <a:lstStyle/>
+          <a:p>
+            <a:r>
+              <a:rPr lang="en-US" dirty="0"/>
+              <a:t>Here are some of the sections that I will be covering now. </a:t>
+            </a:r>
+          </a:p>
+        </p:txBody>
+      </p:sp>
+      <p:sp>
+        <p:nvSpPr>
+          <p:cNvPr id="4" name="Slide Number Placeholder 3"/>
+          <p:cNvSpPr>
+            <a:spLocks noGrp="1"/>
+          </p:cNvSpPr>
+          <p:nvPr>
+            <p:ph type="sldNum" sz="quarter" idx="5"/>
+          </p:nvPr>
+        </p:nvSpPr>
+        <p:spPr/>
+        <p:txBody>
+          <a:bodyPr/>
+          <a:lstStyle/>
+          <a:p>
+            <a:fld id="{FCD24C7E-66F2-254F-B09C-940F4A08C648}" type="slidenum">
+              <a:rPr lang="en-US" smtClean="0"/>
+              <a:t>6</a:t>
+            </a:fld>
+            <a:endParaRPr lang="en-US"/>
+          </a:p>
+        </p:txBody>
+      </p:sp>
+    </p:spTree>
+    <p:extLst>
+      <p:ext uri="{BB962C8B-B14F-4D97-AF65-F5344CB8AC3E}">
+        <p14:creationId xmlns:p14="http://schemas.microsoft.com/office/powerpoint/2010/main" val="584873699"/>
+      </p:ext>
+    </p:extLst>
+  </p:cSld>
+  <p:clrMapOvr>
+    <a:masterClrMapping/>
+  </p:clrMapOvr>
+</p:notes>
+</file>
+
+<file path=ppt/notesSlides/notesSlide6.xml><?xml version="1.0" encoding="utf-8"?>
+<p:notes xmlns:a="http://schemas.openxmlformats.org/drawingml/2006/main" xmlns:r="http://schemas.openxmlformats.org/officeDocument/2006/relationships" xmlns:p="http://schemas.openxmlformats.org/presentationml/2006/main">
+  <p:cSld>
+    <p:spTree>
+      <p:nvGrpSpPr>
+        <p:cNvPr id="1" name=""/>
+        <p:cNvGrpSpPr/>
+        <p:nvPr/>
+      </p:nvGrpSpPr>
+      <p:grpSpPr>
+        <a:xfrm>
+          <a:off x="0" y="0"/>
+          <a:ext cx="0" cy="0"/>
+          <a:chOff x="0" y="0"/>
+          <a:chExt cx="0" cy="0"/>
+        </a:xfrm>
+      </p:grpSpPr>
+      <p:sp>
+        <p:nvSpPr>
+          <p:cNvPr id="2" name="Slide Image Placeholder 1"/>
+          <p:cNvSpPr>
+            <a:spLocks noGrp="1" noRot="1" noChangeAspect="1"/>
+          </p:cNvSpPr>
+          <p:nvPr>
+            <p:ph type="sldImg"/>
+          </p:nvPr>
+        </p:nvSpPr>
+        <p:spPr/>
+      </p:sp>
+      <p:sp>
+        <p:nvSpPr>
+          <p:cNvPr id="3" name="Notes Placeholder 2"/>
+          <p:cNvSpPr>
+            <a:spLocks noGrp="1"/>
+          </p:cNvSpPr>
+          <p:nvPr>
+            <p:ph type="body" idx="1"/>
+          </p:nvPr>
+        </p:nvSpPr>
+        <p:spPr/>
+        <p:txBody>
+          <a:bodyPr/>
+          <a:lstStyle/>
+          <a:p>
+            <a:endParaRPr lang="en-US" dirty="0"/>
+          </a:p>
+        </p:txBody>
+      </p:sp>
+      <p:sp>
+        <p:nvSpPr>
+          <p:cNvPr id="4" name="Slide Number Placeholder 3"/>
+          <p:cNvSpPr>
+            <a:spLocks noGrp="1"/>
+          </p:cNvSpPr>
+          <p:nvPr>
+            <p:ph type="sldNum" sz="quarter" idx="5"/>
+          </p:nvPr>
+        </p:nvSpPr>
+        <p:spPr/>
+        <p:txBody>
+          <a:bodyPr/>
+          <a:lstStyle/>
+          <a:p>
+            <a:fld id="{FCD24C7E-66F2-254F-B09C-940F4A08C648}" type="slidenum">
+              <a:rPr lang="en-US" smtClean="0"/>
+              <a:t>7</a:t>
+            </a:fld>
+            <a:endParaRPr lang="en-US"/>
+          </a:p>
+        </p:txBody>
+      </p:sp>
+    </p:spTree>
+    <p:extLst>
+      <p:ext uri="{BB962C8B-B14F-4D97-AF65-F5344CB8AC3E}">
+        <p14:creationId xmlns:p14="http://schemas.microsoft.com/office/powerpoint/2010/main" val="2053481159"/>
+      </p:ext>
+    </p:extLst>
+  </p:cSld>
+  <p:clrMapOvr>
+    <a:masterClrMapping/>
+  </p:clrMapOvr>
+</p:notes>
+</file>
+
+<file path=ppt/notesSlides/notesSlide7.xml><?xml version="1.0" encoding="utf-8"?>
+<p:notes xmlns:a="http://schemas.openxmlformats.org/drawingml/2006/main" xmlns:r="http://schemas.openxmlformats.org/officeDocument/2006/relationships" xmlns:p="http://schemas.openxmlformats.org/presentationml/2006/main">
+  <p:cSld>
+    <p:spTree>
+      <p:nvGrpSpPr>
+        <p:cNvPr id="1" name=""/>
+        <p:cNvGrpSpPr/>
+        <p:nvPr/>
+      </p:nvGrpSpPr>
+      <p:grpSpPr>
+        <a:xfrm>
+          <a:off x="0" y="0"/>
+          <a:ext cx="0" cy="0"/>
+          <a:chOff x="0" y="0"/>
+          <a:chExt cx="0" cy="0"/>
+        </a:xfrm>
+      </p:grpSpPr>
+      <p:sp>
+        <p:nvSpPr>
+          <p:cNvPr id="2" name="Slide Image Placeholder 1"/>
+          <p:cNvSpPr>
+            <a:spLocks noGrp="1" noRot="1" noChangeAspect="1"/>
+          </p:cNvSpPr>
+          <p:nvPr>
+            <p:ph type="sldImg"/>
+          </p:nvPr>
+        </p:nvSpPr>
+        <p:spPr/>
+      </p:sp>
+      <p:sp>
+        <p:nvSpPr>
+          <p:cNvPr id="3" name="Notes Placeholder 2"/>
+          <p:cNvSpPr>
+            <a:spLocks noGrp="1"/>
+          </p:cNvSpPr>
+          <p:nvPr>
+            <p:ph type="body" idx="1"/>
+          </p:nvPr>
+        </p:nvSpPr>
+        <p:spPr/>
+        <p:txBody>
+          <a:bodyPr/>
+          <a:lstStyle/>
+          <a:p>
+            <a:r>
+              <a:rPr lang="en-US" dirty="0"/>
+              <a:t>Raspberry pi has 40 pins that can be connected to devices to give / get instructions. Some of them are Ground pins, some voltage and other Input ports.</a:t>
+            </a:r>
+          </a:p>
+        </p:txBody>
+      </p:sp>
+      <p:sp>
+        <p:nvSpPr>
+          <p:cNvPr id="4" name="Slide Number Placeholder 3"/>
+          <p:cNvSpPr>
+            <a:spLocks noGrp="1"/>
+          </p:cNvSpPr>
+          <p:nvPr>
+            <p:ph type="sldNum" sz="quarter" idx="5"/>
+          </p:nvPr>
+        </p:nvSpPr>
+        <p:spPr/>
+        <p:txBody>
+          <a:bodyPr/>
+          <a:lstStyle/>
+          <a:p>
+            <a:fld id="{FCD24C7E-66F2-254F-B09C-940F4A08C648}" type="slidenum">
+              <a:rPr lang="en-US" smtClean="0"/>
+              <a:t>11</a:t>
+            </a:fld>
+            <a:endParaRPr lang="en-US"/>
+          </a:p>
+        </p:txBody>
+      </p:sp>
+    </p:spTree>
+    <p:extLst>
+      <p:ext uri="{BB962C8B-B14F-4D97-AF65-F5344CB8AC3E}">
+        <p14:creationId xmlns:p14="http://schemas.microsoft.com/office/powerpoint/2010/main" val="51945542"/>
+      </p:ext>
+    </p:extLst>
+  </p:cSld>
+  <p:clrMapOvr>
+    <a:masterClrMapping/>
+  </p:clrMapOvr>
+</p:notes>
+</file>
+
+<file path=ppt/notesSlides/notesSlide8.xml><?xml version="1.0" encoding="utf-8"?>
+<p:notes xmlns:a="http://schemas.openxmlformats.org/drawingml/2006/main" xmlns:r="http://schemas.openxmlformats.org/officeDocument/2006/relationships" xmlns:p="http://schemas.openxmlformats.org/presentationml/2006/main">
+  <p:cSld>
+    <p:spTree>
+      <p:nvGrpSpPr>
+        <p:cNvPr id="1" name=""/>
+        <p:cNvGrpSpPr/>
+        <p:nvPr/>
+      </p:nvGrpSpPr>
+      <p:grpSpPr>
+        <a:xfrm>
+          <a:off x="0" y="0"/>
+          <a:ext cx="0" cy="0"/>
+          <a:chOff x="0" y="0"/>
+          <a:chExt cx="0" cy="0"/>
+        </a:xfrm>
+      </p:grpSpPr>
+      <p:sp>
+        <p:nvSpPr>
+          <p:cNvPr id="2" name="Slide Image Placeholder 1"/>
+          <p:cNvSpPr>
+            <a:spLocks noGrp="1" noRot="1" noChangeAspect="1"/>
+          </p:cNvSpPr>
+          <p:nvPr>
+            <p:ph type="sldImg"/>
+          </p:nvPr>
+        </p:nvSpPr>
+        <p:spPr/>
+      </p:sp>
+      <p:sp>
+        <p:nvSpPr>
+          <p:cNvPr id="3" name="Notes Placeholder 2"/>
+          <p:cNvSpPr>
+            <a:spLocks noGrp="1"/>
+          </p:cNvSpPr>
+          <p:nvPr>
+            <p:ph type="body" idx="1"/>
+          </p:nvPr>
+        </p:nvSpPr>
+        <p:spPr/>
+        <p:txBody>
+          <a:bodyPr/>
+          <a:lstStyle/>
+          <a:p>
+            <a:r>
+              <a:rPr lang="en-US" dirty="0"/>
+              <a:t>The Internet of things doesn't stop here, there are endless possibilities of what can be done with IoT. You can build an automatic light control for your house, thermostat for your house that can be controlled with your homes, etc...</a:t>
+            </a:r>
+          </a:p>
+          <a:p>
+            <a:endParaRPr lang="en-US" dirty="0"/>
+          </a:p>
+          <a:p>
+            <a:r>
+              <a:rPr lang="en-US" dirty="0"/>
+              <a:t>You can always get these devices in Amazon, but building them yourself with these sensors will give a sense of understanding and satisfaction for anyone who does that.</a:t>
+            </a:r>
+          </a:p>
+        </p:txBody>
+      </p:sp>
+      <p:sp>
+        <p:nvSpPr>
+          <p:cNvPr id="4" name="Slide Number Placeholder 3"/>
+          <p:cNvSpPr>
+            <a:spLocks noGrp="1"/>
+          </p:cNvSpPr>
+          <p:nvPr>
+            <p:ph type="sldNum" sz="quarter" idx="5"/>
+          </p:nvPr>
+        </p:nvSpPr>
+        <p:spPr/>
+        <p:txBody>
+          <a:bodyPr/>
+          <a:lstStyle/>
+          <a:p>
+            <a:fld id="{FCD24C7E-66F2-254F-B09C-940F4A08C648}" type="slidenum">
+              <a:rPr lang="en-US" smtClean="0"/>
+              <a:t>13</a:t>
+            </a:fld>
+            <a:endParaRPr lang="en-US"/>
+          </a:p>
+        </p:txBody>
+      </p:sp>
+    </p:spTree>
+    <p:extLst>
+      <p:ext uri="{BB962C8B-B14F-4D97-AF65-F5344CB8AC3E}">
+        <p14:creationId xmlns:p14="http://schemas.microsoft.com/office/powerpoint/2010/main" val="1430204939"/>
+      </p:ext>
+    </p:extLst>
+  </p:cSld>
+  <p:clrMapOvr>
+    <a:masterClrMapping/>
+  </p:clrMapOvr>
+</p:notes>
+</file>
+
+<file path=ppt/notesSlides/notesSlide9.xml><?xml version="1.0" encoding="utf-8"?>
+<p:notes xmlns:a="http://schemas.openxmlformats.org/drawingml/2006/main" xmlns:r="http://schemas.openxmlformats.org/officeDocument/2006/relationships" xmlns:p="http://schemas.openxmlformats.org/presentationml/2006/main">
+  <p:cSld>
+    <p:spTree>
+      <p:nvGrpSpPr>
+        <p:cNvPr id="1" name=""/>
+        <p:cNvGrpSpPr/>
+        <p:nvPr/>
+      </p:nvGrpSpPr>
+      <p:grpSpPr>
+        <a:xfrm>
+          <a:off x="0" y="0"/>
+          <a:ext cx="0" cy="0"/>
+          <a:chOff x="0" y="0"/>
+          <a:chExt cx="0" cy="0"/>
+        </a:xfrm>
+      </p:grpSpPr>
+      <p:sp>
+        <p:nvSpPr>
+          <p:cNvPr id="2" name="Slide Image Placeholder 1"/>
+          <p:cNvSpPr>
+            <a:spLocks noGrp="1" noRot="1" noChangeAspect="1"/>
+          </p:cNvSpPr>
+          <p:nvPr>
+            <p:ph type="sldImg"/>
+          </p:nvPr>
+        </p:nvSpPr>
+        <p:spPr/>
+      </p:sp>
+      <p:sp>
+        <p:nvSpPr>
+          <p:cNvPr id="3" name="Notes Placeholder 2"/>
+          <p:cNvSpPr>
+            <a:spLocks noGrp="1"/>
+          </p:cNvSpPr>
+          <p:nvPr>
+            <p:ph type="body" idx="1"/>
+          </p:nvPr>
+        </p:nvSpPr>
+        <p:spPr/>
+        <p:txBody>
+          <a:bodyPr/>
+          <a:lstStyle/>
+          <a:p>
+            <a:r>
+              <a:rPr lang="en-US" dirty="0"/>
+              <a:t>Here are some references that will be helpful to you. There is a </a:t>
+            </a:r>
+            <a:r>
+              <a:rPr lang="en-US" dirty="0" err="1"/>
+              <a:t>Github</a:t>
+            </a:r>
+            <a:r>
+              <a:rPr lang="en-US" dirty="0"/>
+              <a:t> link which contains the code part that is used in this session.</a:t>
+            </a:r>
+          </a:p>
+        </p:txBody>
+      </p:sp>
+      <p:sp>
+        <p:nvSpPr>
+          <p:cNvPr id="4" name="Slide Number Placeholder 3"/>
+          <p:cNvSpPr>
+            <a:spLocks noGrp="1"/>
+          </p:cNvSpPr>
+          <p:nvPr>
+            <p:ph type="sldNum" sz="quarter" idx="5"/>
+          </p:nvPr>
+        </p:nvSpPr>
+        <p:spPr/>
+        <p:txBody>
+          <a:bodyPr/>
+          <a:lstStyle/>
+          <a:p>
+            <a:fld id="{FCD24C7E-66F2-254F-B09C-940F4A08C648}" type="slidenum">
+              <a:rPr lang="en-US" smtClean="0"/>
+              <a:t>14</a:t>
+            </a:fld>
+            <a:endParaRPr lang="en-US"/>
+          </a:p>
+        </p:txBody>
+      </p:sp>
+    </p:spTree>
+    <p:extLst>
+      <p:ext uri="{BB962C8B-B14F-4D97-AF65-F5344CB8AC3E}">
+        <p14:creationId xmlns:p14="http://schemas.microsoft.com/office/powerpoint/2010/main" val="717534521"/>
+      </p:ext>
+    </p:extLst>
+  </p:cSld>
+  <p:clrMapOvr>
+    <a:masterClrMapping/>
+  </p:clrMapOvr>
+</p:notes>
 </file>
 
 <file path=ppt/slideLayouts/slideLayout1.xml><?xml version="1.0" encoding="utf-8"?>
@@ -603,7 +1891,7 @@
           <a:p>
             <a:fld id="{72345051-2045-45DA-935E-2E3CA1A69ADC}" type="datetimeFigureOut">
               <a:rPr lang="en-US" smtClean="0"/>
-              <a:t>9/25/20</a:t>
+              <a:t>10/27/20</a:t>
             </a:fld>
             <a:endParaRPr lang="en-US" dirty="0"/>
           </a:p>
@@ -801,7 +2089,7 @@
           <a:p>
             <a:fld id="{72345051-2045-45DA-935E-2E3CA1A69ADC}" type="datetimeFigureOut">
               <a:rPr lang="en-US" smtClean="0"/>
-              <a:t>9/25/20</a:t>
+              <a:t>10/27/20</a:t>
             </a:fld>
             <a:endParaRPr lang="en-US"/>
           </a:p>
@@ -1009,7 +2297,7 @@
           <a:p>
             <a:fld id="{72345051-2045-45DA-935E-2E3CA1A69ADC}" type="datetimeFigureOut">
               <a:rPr lang="en-US" smtClean="0"/>
-              <a:t>9/25/20</a:t>
+              <a:t>10/27/20</a:t>
             </a:fld>
             <a:endParaRPr lang="en-US"/>
           </a:p>
@@ -1231,7 +2519,7 @@
           <a:p>
             <a:fld id="{72345051-2045-45DA-935E-2E3CA1A69ADC}" type="datetimeFigureOut">
               <a:rPr lang="en-US" smtClean="0"/>
-              <a:t>9/25/20</a:t>
+              <a:t>10/27/20</a:t>
             </a:fld>
             <a:endParaRPr lang="en-US"/>
           </a:p>
@@ -2142,7 +3430,7 @@
           <a:p>
             <a:fld id="{72345051-2045-45DA-935E-2E3CA1A69ADC}" type="datetimeFigureOut">
               <a:rPr lang="en-US" smtClean="0"/>
-              <a:t>9/25/20</a:t>
+              <a:t>10/27/20</a:t>
             </a:fld>
             <a:endParaRPr lang="en-US"/>
           </a:p>
@@ -2745,7 +4033,7 @@
           <a:p>
             <a:fld id="{72345051-2045-45DA-935E-2E3CA1A69ADC}" type="datetimeFigureOut">
               <a:rPr lang="en-US" smtClean="0"/>
-              <a:t>9/25/20</a:t>
+              <a:t>10/27/20</a:t>
             </a:fld>
             <a:endParaRPr lang="en-US"/>
           </a:p>
@@ -3793,7 +5081,7 @@
           <a:p>
             <a:fld id="{72345051-2045-45DA-935E-2E3CA1A69ADC}" type="datetimeFigureOut">
               <a:rPr lang="en-US" smtClean="0"/>
-              <a:t>9/25/20</a:t>
+              <a:t>10/27/20</a:t>
             </a:fld>
             <a:endParaRPr lang="en-US"/>
           </a:p>
@@ -4577,7 +5865,7 @@
           <a:p>
             <a:fld id="{72345051-2045-45DA-935E-2E3CA1A69ADC}" type="datetimeFigureOut">
               <a:rPr lang="en-US" smtClean="0"/>
-              <a:t>9/25/20</a:t>
+              <a:t>10/27/20</a:t>
             </a:fld>
             <a:endParaRPr lang="en-US"/>
           </a:p>
@@ -5026,7 +6314,7 @@
           <a:p>
             <a:fld id="{72345051-2045-45DA-935E-2E3CA1A69ADC}" type="datetimeFigureOut">
               <a:rPr lang="en-US" smtClean="0"/>
-              <a:t>9/25/20</a:t>
+              <a:t>10/27/20</a:t>
             </a:fld>
             <a:endParaRPr lang="en-US"/>
           </a:p>
@@ -5343,7 +6631,7 @@
           <a:p>
             <a:fld id="{72345051-2045-45DA-935E-2E3CA1A69ADC}" type="datetimeFigureOut">
               <a:rPr lang="en-US" smtClean="0"/>
-              <a:t>9/25/20</a:t>
+              <a:t>10/27/20</a:t>
             </a:fld>
             <a:endParaRPr lang="en-US"/>
           </a:p>
@@ -5971,7 +7259,7 @@
           <a:p>
             <a:fld id="{72345051-2045-45DA-935E-2E3CA1A69ADC}" type="datetimeFigureOut">
               <a:rPr lang="en-US" smtClean="0"/>
-              <a:t>9/25/20</a:t>
+              <a:t>10/27/20</a:t>
             </a:fld>
             <a:endParaRPr lang="en-US"/>
           </a:p>
@@ -6544,7 +7832,7 @@
           <a:p>
             <a:fld id="{72345051-2045-45DA-935E-2E3CA1A69ADC}" type="datetimeFigureOut">
               <a:rPr lang="en-US" smtClean="0"/>
-              <a:t>9/25/20</a:t>
+              <a:t>10/27/20</a:t>
             </a:fld>
             <a:endParaRPr lang="en-US" dirty="0"/>
           </a:p>
@@ -7394,19 +8682,26 @@
         </p:nvSpPr>
         <p:spPr>
           <a:xfrm>
-            <a:off x="638882" y="639193"/>
-            <a:ext cx="3571810" cy="3573516"/>
+            <a:off x="638882" y="639192"/>
+            <a:ext cx="3571810" cy="5315293"/>
           </a:xfrm>
         </p:spPr>
         <p:txBody>
           <a:bodyPr vert="horz" lIns="91440" tIns="45720" rIns="91440" bIns="45720" rtlCol="0" anchor="b">
-            <a:normAutofit/>
+            <a:noAutofit/>
           </a:bodyPr>
           <a:lstStyle/>
           <a:p>
             <a:r>
-              <a:rPr lang="en-US" sz="5800"/>
+              <a:rPr lang="en-US" sz="4800" dirty="0"/>
               <a:t>Welcome to the session</a:t>
+            </a:r>
+            <a:br>
+              <a:rPr lang="en-US" sz="4800" dirty="0"/>
+            </a:br>
+            <a:r>
+              <a:rPr lang="en-US" sz="4800" dirty="0"/>
+              <a:t>Introduction to Internet of Things: Build your own Smart Device</a:t>
             </a:r>
           </a:p>
         </p:txBody>
@@ -7701,7 +8996,7 @@
           </p:nvPr>
         </p:nvPicPr>
         <p:blipFill>
-          <a:blip r:embed="rId2">
+          <a:blip r:embed="rId3">
             <a:extLst>
               <a:ext uri="{28A0092B-C50C-407E-A947-70E740481C1C}">
                 <a14:useLocalDpi xmlns:a14="http://schemas.microsoft.com/office/drawing/2010/main" val="0"/>
@@ -7745,7 +9040,7 @@
 </p:sld>
 </file>
 
-<file path=ppt/slides/slide2.xml><?xml version="1.0" encoding="utf-8"?>
+<file path=ppt/slides/slide10.xml><?xml version="1.0" encoding="utf-8"?>
 <p:sld xmlns:a="http://schemas.openxmlformats.org/drawingml/2006/main" xmlns:r="http://schemas.openxmlformats.org/officeDocument/2006/relationships" xmlns:p="http://schemas.openxmlformats.org/presentationml/2006/main">
   <p:cSld>
     <p:spTree>
@@ -7767,7 +9062,7 @@
           <p:cNvPr id="2" name="Title 1">
             <a:extLst>
               <a:ext uri="{FF2B5EF4-FFF2-40B4-BE49-F238E27FC236}">
-                <a16:creationId xmlns:a16="http://schemas.microsoft.com/office/drawing/2014/main" id="{1601BF4A-547B-2946-8356-65BDBFB8BC5D}"/>
+                <a16:creationId xmlns:a16="http://schemas.microsoft.com/office/drawing/2014/main" id="{FA498EB0-5164-A74A-8444-C9339445DC0C}"/>
               </a:ext>
             </a:extLst>
           </p:cNvPr>
@@ -7785,22 +9080,100 @@
           <a:p>
             <a:r>
               <a:rPr lang="en-US" dirty="0"/>
-              <a:t>Pre </a:t>
-            </a:r>
-            <a:r>
-              <a:rPr lang="en-US" dirty="0" err="1"/>
-              <a:t>requsites</a:t>
-            </a:r>
-            <a:endParaRPr lang="en-US" dirty="0"/>
+              <a:t>Nodejs server</a:t>
+            </a:r>
+          </a:p>
+        </p:txBody>
+      </p:sp>
+      <p:sp>
+        <p:nvSpPr>
+          <p:cNvPr id="3" name="Content Placeholder 2">
+            <a:extLst>
+              <a:ext uri="{FF2B5EF4-FFF2-40B4-BE49-F238E27FC236}">
+                <a16:creationId xmlns:a16="http://schemas.microsoft.com/office/drawing/2014/main" id="{C14BB805-14D1-0C43-B07D-4236421949D7}"/>
+              </a:ext>
+            </a:extLst>
+          </p:cNvPr>
+          <p:cNvSpPr>
+            <a:spLocks noGrp="1"/>
+          </p:cNvSpPr>
+          <p:nvPr>
+            <p:ph idx="1"/>
+          </p:nvPr>
+        </p:nvSpPr>
+        <p:spPr/>
+        <p:txBody>
+          <a:bodyPr/>
+          <a:lstStyle/>
+          <a:p>
+            <a:endParaRPr lang="en-US"/>
+          </a:p>
+        </p:txBody>
+      </p:sp>
+    </p:spTree>
+    <p:extLst>
+      <p:ext uri="{BB962C8B-B14F-4D97-AF65-F5344CB8AC3E}">
+        <p14:creationId xmlns:p14="http://schemas.microsoft.com/office/powerpoint/2010/main" val="2840364188"/>
+      </p:ext>
+    </p:extLst>
+  </p:cSld>
+  <p:clrMapOvr>
+    <a:masterClrMapping/>
+  </p:clrMapOvr>
+</p:sld>
+</file>
+
+<file path=ppt/slides/slide11.xml><?xml version="1.0" encoding="utf-8"?>
+<p:sld xmlns:a="http://schemas.openxmlformats.org/drawingml/2006/main" xmlns:r="http://schemas.openxmlformats.org/officeDocument/2006/relationships" xmlns:p="http://schemas.openxmlformats.org/presentationml/2006/main">
+  <p:cSld>
+    <p:spTree>
+      <p:nvGrpSpPr>
+        <p:cNvPr id="1" name=""/>
+        <p:cNvGrpSpPr/>
+        <p:nvPr/>
+      </p:nvGrpSpPr>
+      <p:grpSpPr>
+        <a:xfrm>
+          <a:off x="0" y="0"/>
+          <a:ext cx="0" cy="0"/>
+          <a:chOff x="0" y="0"/>
+          <a:chExt cx="0" cy="0"/>
+        </a:xfrm>
+      </p:grpSpPr>
+      <p:sp>
+        <p:nvSpPr>
+          <p:cNvPr id="2" name="Title 1">
+            <a:extLst>
+              <a:ext uri="{FF2B5EF4-FFF2-40B4-BE49-F238E27FC236}">
+                <a16:creationId xmlns:a16="http://schemas.microsoft.com/office/drawing/2014/main" id="{9A6579C4-C268-D64A-A96F-6BB6B05CD186}"/>
+              </a:ext>
+            </a:extLst>
+          </p:cNvPr>
+          <p:cNvSpPr>
+            <a:spLocks noGrp="1"/>
+          </p:cNvSpPr>
+          <p:nvPr>
+            <p:ph type="title"/>
+          </p:nvPr>
+        </p:nvSpPr>
+        <p:spPr/>
+        <p:txBody>
+          <a:bodyPr/>
+          <a:lstStyle/>
+          <a:p>
+            <a:r>
+              <a:rPr lang="en-US" dirty="0"/>
+              <a:t>Raspberry pi connections</a:t>
+            </a:r>
           </a:p>
         </p:txBody>
       </p:sp>
       <p:pic>
         <p:nvPicPr>
-          <p:cNvPr id="1028" name="Picture 4" descr="Amazon.com: Raspberry Pi 3 Model B Board: Computers &amp; Accessories">
+          <p:cNvPr id="6146" name="Picture 2" descr="How to properly connect a 4-pin cable to the IIC interface? - Raspberry Pi  Stack Exchange">
             <a:extLst>
               <a:ext uri="{FF2B5EF4-FFF2-40B4-BE49-F238E27FC236}">
-                <a16:creationId xmlns:a16="http://schemas.microsoft.com/office/drawing/2014/main" id="{DFA882F9-C13C-C349-A005-002D42CE6E51}"/>
+                <a16:creationId xmlns:a16="http://schemas.microsoft.com/office/drawing/2014/main" id="{7FAAE05A-16BF-354E-BBCE-E16B54113A02}"/>
               </a:ext>
             </a:extLst>
           </p:cNvPr>
@@ -7812,7 +9185,7 @@
           </p:nvPr>
         </p:nvPicPr>
         <p:blipFill>
-          <a:blip r:embed="rId2">
+          <a:blip r:embed="rId3">
             <a:extLst>
               <a:ext uri="{28A0092B-C50C-407E-A947-70E740481C1C}">
                 <a14:useLocalDpi xmlns:a14="http://schemas.microsoft.com/office/drawing/2010/main" val="0"/>
@@ -7826,149 +9199,8 @@
         </p:blipFill>
         <p:spPr bwMode="auto">
           <a:xfrm>
-            <a:off x="838200" y="2050256"/>
-            <a:ext cx="2959100" cy="1981200"/>
-          </a:xfrm>
-          <a:prstGeom prst="rect">
-            <a:avLst/>
-          </a:prstGeom>
-          <a:noFill/>
-          <a:extLst>
-            <a:ext uri="{909E8E84-426E-40DD-AFC4-6F175D3DCCD1}">
-              <a14:hiddenFill xmlns:a14="http://schemas.microsoft.com/office/drawing/2010/main">
-                <a:solidFill>
-                  <a:srgbClr val="FFFFFF"/>
-                </a:solidFill>
-              </a14:hiddenFill>
-            </a:ext>
-          </a:extLst>
-        </p:spPr>
-      </p:pic>
-      <p:pic>
-        <p:nvPicPr>
-          <p:cNvPr id="1030" name="Picture 6" descr="3mm Frosted LEDs - 10 Pieces - Red, Blue, Green, Yellow or White">
-            <a:extLst>
-              <a:ext uri="{FF2B5EF4-FFF2-40B4-BE49-F238E27FC236}">
-                <a16:creationId xmlns:a16="http://schemas.microsoft.com/office/drawing/2014/main" id="{7EF91628-3467-F843-ACE5-A89F59B77832}"/>
-              </a:ext>
-            </a:extLst>
-          </p:cNvPr>
-          <p:cNvPicPr>
-            <a:picLocks noChangeAspect="1" noChangeArrowheads="1"/>
-          </p:cNvPicPr>
-          <p:nvPr/>
-        </p:nvPicPr>
-        <p:blipFill>
-          <a:blip r:embed="rId3">
-            <a:extLst>
-              <a:ext uri="{28A0092B-C50C-407E-A947-70E740481C1C}">
-                <a14:useLocalDpi xmlns:a14="http://schemas.microsoft.com/office/drawing/2010/main" val="0"/>
-              </a:ext>
-            </a:extLst>
-          </a:blip>
-          <a:srcRect/>
-          <a:stretch>
-            <a:fillRect/>
-          </a:stretch>
-        </p:blipFill>
-        <p:spPr bwMode="auto">
-          <a:xfrm>
-            <a:off x="3667125" y="1814513"/>
-            <a:ext cx="2428875" cy="2216944"/>
-          </a:xfrm>
-          <a:prstGeom prst="rect">
-            <a:avLst/>
-          </a:prstGeom>
-          <a:noFill/>
-          <a:extLst>
-            <a:ext uri="{909E8E84-426E-40DD-AFC4-6F175D3DCCD1}">
-              <a14:hiddenFill xmlns:a14="http://schemas.microsoft.com/office/drawing/2010/main">
-                <a:solidFill>
-                  <a:srgbClr val="FFFFFF"/>
-                </a:solidFill>
-              </a14:hiddenFill>
-            </a:ext>
-          </a:extLst>
-        </p:spPr>
-      </p:pic>
-      <p:pic>
-        <p:nvPicPr>
-          <p:cNvPr id="1032" name="Picture 8" descr="Amazon.com: Aukru 40pcs 20cm Female to Female Breadboard Dupont Jumper Wires  Ribbon Cables for Arduino Raspberry pi: Computers &amp; Accessories">
-            <a:extLst>
-              <a:ext uri="{FF2B5EF4-FFF2-40B4-BE49-F238E27FC236}">
-                <a16:creationId xmlns:a16="http://schemas.microsoft.com/office/drawing/2014/main" id="{1845E690-361D-024C-B73D-C299B798EE45}"/>
-              </a:ext>
-            </a:extLst>
-          </p:cNvPr>
-          <p:cNvPicPr>
-            <a:picLocks noChangeAspect="1" noChangeArrowheads="1"/>
-          </p:cNvPicPr>
-          <p:nvPr/>
-        </p:nvPicPr>
-        <p:blipFill>
-          <a:blip r:embed="rId4">
-            <a:extLst>
-              <a:ext uri="{28A0092B-C50C-407E-A947-70E740481C1C}">
-                <a14:useLocalDpi xmlns:a14="http://schemas.microsoft.com/office/drawing/2010/main" val="0"/>
-              </a:ext>
-            </a:extLst>
-          </a:blip>
-          <a:srcRect/>
-          <a:stretch>
-            <a:fillRect/>
-          </a:stretch>
-        </p:blipFill>
-        <p:spPr bwMode="auto">
-          <a:xfrm>
-            <a:off x="6096000" y="1814512"/>
-            <a:ext cx="2428875" cy="1981199"/>
-          </a:xfrm>
-          <a:prstGeom prst="rect">
-            <a:avLst/>
-          </a:prstGeom>
-          <a:noFill/>
-          <a:extLst>
-            <a:ext uri="{909E8E84-426E-40DD-AFC4-6F175D3DCCD1}">
-              <a14:hiddenFill xmlns:a14="http://schemas.microsoft.com/office/drawing/2010/main">
-                <a:solidFill>
-                  <a:srgbClr val="FFFFFF"/>
-                </a:solidFill>
-              </a14:hiddenFill>
-            </a:ext>
-          </a:extLst>
-        </p:spPr>
-      </p:pic>
-      <p:pic>
-        <p:nvPicPr>
-          <p:cNvPr id="1034" name="Picture 10" descr="Dell P2719HC 27&quot; 16:9 IPS Monitor P2719HC B&amp;H Photo">
-            <a:extLst>
-              <a:ext uri="{FF2B5EF4-FFF2-40B4-BE49-F238E27FC236}">
-                <a16:creationId xmlns:a16="http://schemas.microsoft.com/office/drawing/2014/main" id="{B7949B75-A0A1-414A-96F8-D7368B53EE59}"/>
-              </a:ext>
-            </a:extLst>
-          </p:cNvPr>
-          <p:cNvPicPr>
-            <a:picLocks noChangeAspect="1" noChangeArrowheads="1"/>
-          </p:cNvPicPr>
-          <p:nvPr/>
-        </p:nvPicPr>
-        <p:blipFill>
-          <a:blip r:embed="rId5">
-            <a:extLst>
-              <a:ext uri="{28A0092B-C50C-407E-A947-70E740481C1C}">
-                <a14:useLocalDpi xmlns:a14="http://schemas.microsoft.com/office/drawing/2010/main" val="0"/>
-              </a:ext>
-            </a:extLst>
-          </a:blip>
-          <a:srcRect/>
-          <a:stretch>
-            <a:fillRect/>
-          </a:stretch>
-        </p:blipFill>
-        <p:spPr bwMode="auto">
-          <a:xfrm>
-            <a:off x="8731023" y="1761785"/>
-            <a:ext cx="2558143" cy="2269672"/>
+            <a:off x="3543300" y="2309019"/>
+            <a:ext cx="5105400" cy="3492500"/>
           </a:xfrm>
           <a:prstGeom prst="rect">
             <a:avLst/>
@@ -7988,7 +9220,1153 @@
     </p:spTree>
     <p:extLst>
       <p:ext uri="{BB962C8B-B14F-4D97-AF65-F5344CB8AC3E}">
-        <p14:creationId xmlns:p14="http://schemas.microsoft.com/office/powerpoint/2010/main" val="3218933280"/>
+        <p14:creationId xmlns:p14="http://schemas.microsoft.com/office/powerpoint/2010/main" val="2206249492"/>
+      </p:ext>
+    </p:extLst>
+  </p:cSld>
+  <p:clrMapOvr>
+    <a:masterClrMapping/>
+  </p:clrMapOvr>
+</p:sld>
+</file>
+
+<file path=ppt/slides/slide12.xml><?xml version="1.0" encoding="utf-8"?>
+<p:sld xmlns:a="http://schemas.openxmlformats.org/drawingml/2006/main" xmlns:r="http://schemas.openxmlformats.org/officeDocument/2006/relationships" xmlns:p="http://schemas.openxmlformats.org/presentationml/2006/main">
+  <p:cSld>
+    <p:spTree>
+      <p:nvGrpSpPr>
+        <p:cNvPr id="1" name=""/>
+        <p:cNvGrpSpPr/>
+        <p:nvPr/>
+      </p:nvGrpSpPr>
+      <p:grpSpPr>
+        <a:xfrm>
+          <a:off x="0" y="0"/>
+          <a:ext cx="0" cy="0"/>
+          <a:chOff x="0" y="0"/>
+          <a:chExt cx="0" cy="0"/>
+        </a:xfrm>
+      </p:grpSpPr>
+      <p:sp>
+        <p:nvSpPr>
+          <p:cNvPr id="2" name="Title 1">
+            <a:extLst>
+              <a:ext uri="{FF2B5EF4-FFF2-40B4-BE49-F238E27FC236}">
+                <a16:creationId xmlns:a16="http://schemas.microsoft.com/office/drawing/2014/main" id="{8421DE04-D719-844E-9CBE-FCEE4A0887E7}"/>
+              </a:ext>
+            </a:extLst>
+          </p:cNvPr>
+          <p:cNvSpPr>
+            <a:spLocks noGrp="1"/>
+          </p:cNvSpPr>
+          <p:nvPr>
+            <p:ph type="title"/>
+          </p:nvPr>
+        </p:nvSpPr>
+        <p:spPr/>
+        <p:txBody>
+          <a:bodyPr/>
+          <a:lstStyle/>
+          <a:p>
+            <a:r>
+              <a:rPr lang="en-US" dirty="0"/>
+              <a:t>Demo video</a:t>
+            </a:r>
+          </a:p>
+        </p:txBody>
+      </p:sp>
+      <p:sp>
+        <p:nvSpPr>
+          <p:cNvPr id="5" name="Content Placeholder 4">
+            <a:extLst>
+              <a:ext uri="{FF2B5EF4-FFF2-40B4-BE49-F238E27FC236}">
+                <a16:creationId xmlns:a16="http://schemas.microsoft.com/office/drawing/2014/main" id="{31D4B306-C929-1D40-A6ED-F08DE0D19F5F}"/>
+              </a:ext>
+            </a:extLst>
+          </p:cNvPr>
+          <p:cNvSpPr>
+            <a:spLocks noGrp="1"/>
+          </p:cNvSpPr>
+          <p:nvPr>
+            <p:ph idx="1"/>
+          </p:nvPr>
+        </p:nvSpPr>
+        <p:spPr/>
+        <p:txBody>
+          <a:bodyPr/>
+          <a:lstStyle/>
+          <a:p>
+            <a:endParaRPr lang="en-US"/>
+          </a:p>
+        </p:txBody>
+      </p:sp>
+    </p:spTree>
+    <p:extLst>
+      <p:ext uri="{BB962C8B-B14F-4D97-AF65-F5344CB8AC3E}">
+        <p14:creationId xmlns:p14="http://schemas.microsoft.com/office/powerpoint/2010/main" val="3403102018"/>
+      </p:ext>
+    </p:extLst>
+  </p:cSld>
+  <p:clrMapOvr>
+    <a:masterClrMapping/>
+  </p:clrMapOvr>
+</p:sld>
+</file>
+
+<file path=ppt/slides/slide13.xml><?xml version="1.0" encoding="utf-8"?>
+<p:sld xmlns:a="http://schemas.openxmlformats.org/drawingml/2006/main" xmlns:r="http://schemas.openxmlformats.org/officeDocument/2006/relationships" xmlns:p="http://schemas.openxmlformats.org/presentationml/2006/main">
+  <p:cSld>
+    <p:bg>
+      <p:bgPr>
+        <a:solidFill>
+          <a:schemeClr val="bg1"/>
+        </a:solidFill>
+        <a:effectLst/>
+      </p:bgPr>
+    </p:bg>
+    <p:spTree>
+      <p:nvGrpSpPr>
+        <p:cNvPr id="1" name=""/>
+        <p:cNvGrpSpPr/>
+        <p:nvPr/>
+      </p:nvGrpSpPr>
+      <p:grpSpPr>
+        <a:xfrm>
+          <a:off x="0" y="0"/>
+          <a:ext cx="0" cy="0"/>
+          <a:chOff x="0" y="0"/>
+          <a:chExt cx="0" cy="0"/>
+        </a:xfrm>
+      </p:grpSpPr>
+      <p:sp useBgFill="1">
+        <p:nvSpPr>
+          <p:cNvPr id="12" name="Rectangle 11">
+            <a:extLst>
+              <a:ext uri="{FF2B5EF4-FFF2-40B4-BE49-F238E27FC236}">
+                <a16:creationId xmlns:a16="http://schemas.microsoft.com/office/drawing/2014/main" id="{F13C74B1-5B17-4795-BED0-7140497B445A}"/>
+              </a:ext>
+              <a:ext uri="{C183D7F6-B498-43B3-948B-1728B52AA6E4}">
+                <adec:decorative xmlns:adec="http://schemas.microsoft.com/office/drawing/2017/decorative" val="1"/>
+              </a:ext>
+            </a:extLst>
+          </p:cNvPr>
+          <p:cNvSpPr>
+            <a:spLocks noGrp="1" noRot="1" noChangeAspect="1" noMove="1" noResize="1" noEditPoints="1" noAdjustHandles="1" noChangeArrowheads="1" noChangeShapeType="1" noTextEdit="1"/>
+          </p:cNvSpPr>
+          <p:nvPr>
+            <p:extLst>
+              <p:ext uri="{386F3935-93C4-4BCD-93E2-E3B085C9AB24}">
+                <p16:designElem xmlns:p16="http://schemas.microsoft.com/office/powerpoint/2015/main" val="1"/>
+              </p:ext>
+            </p:extLst>
+          </p:nvPr>
+        </p:nvSpPr>
+        <p:spPr>
+          <a:xfrm>
+            <a:off x="0" y="0"/>
+            <a:ext cx="12188952" cy="6858000"/>
+          </a:xfrm>
+          <a:prstGeom prst="rect">
+            <a:avLst/>
+          </a:prstGeom>
+          <a:ln>
+            <a:noFill/>
+          </a:ln>
+        </p:spPr>
+        <p:style>
+          <a:lnRef idx="2">
+            <a:schemeClr val="accent1">
+              <a:shade val="50000"/>
+            </a:schemeClr>
+          </a:lnRef>
+          <a:fillRef idx="1">
+            <a:schemeClr val="accent1"/>
+          </a:fillRef>
+          <a:effectRef idx="0">
+            <a:schemeClr val="accent1"/>
+          </a:effectRef>
+          <a:fontRef idx="minor">
+            <a:schemeClr val="lt1"/>
+          </a:fontRef>
+        </p:style>
+        <p:txBody>
+          <a:bodyPr rtlCol="0" anchor="ctr"/>
+          <a:lstStyle/>
+          <a:p>
+            <a:pPr algn="ctr"/>
+            <a:endParaRPr lang="en-US"/>
+          </a:p>
+        </p:txBody>
+      </p:sp>
+      <p:sp>
+        <p:nvSpPr>
+          <p:cNvPr id="2" name="Title 1">
+            <a:extLst>
+              <a:ext uri="{FF2B5EF4-FFF2-40B4-BE49-F238E27FC236}">
+                <a16:creationId xmlns:a16="http://schemas.microsoft.com/office/drawing/2014/main" id="{627048F8-86D5-C245-96EB-B7EE840A5362}"/>
+              </a:ext>
+            </a:extLst>
+          </p:cNvPr>
+          <p:cNvSpPr>
+            <a:spLocks noGrp="1"/>
+          </p:cNvSpPr>
+          <p:nvPr>
+            <p:ph type="title"/>
+          </p:nvPr>
+        </p:nvSpPr>
+        <p:spPr>
+          <a:xfrm>
+            <a:off x="640080" y="325369"/>
+            <a:ext cx="5132170" cy="1956841"/>
+          </a:xfrm>
+        </p:spPr>
+        <p:txBody>
+          <a:bodyPr anchor="b">
+            <a:normAutofit/>
+          </a:bodyPr>
+          <a:lstStyle/>
+          <a:p>
+            <a:pPr>
+              <a:lnSpc>
+                <a:spcPct val="90000"/>
+              </a:lnSpc>
+            </a:pPr>
+            <a:r>
+              <a:rPr lang="en-US" sz="6600" dirty="0"/>
+              <a:t>Other project ideas</a:t>
+            </a:r>
+          </a:p>
+        </p:txBody>
+      </p:sp>
+      <p:sp>
+        <p:nvSpPr>
+          <p:cNvPr id="14" name="Rectangle 6">
+            <a:extLst>
+              <a:ext uri="{FF2B5EF4-FFF2-40B4-BE49-F238E27FC236}">
+                <a16:creationId xmlns:a16="http://schemas.microsoft.com/office/drawing/2014/main" id="{3FCFB1DE-0B7E-48CC-BA90-B2AB0889F9D6}"/>
+              </a:ext>
+              <a:ext uri="{C183D7F6-B498-43B3-948B-1728B52AA6E4}">
+                <adec:decorative xmlns:adec="http://schemas.microsoft.com/office/drawing/2017/decorative" val="1"/>
+              </a:ext>
+            </a:extLst>
+          </p:cNvPr>
+          <p:cNvSpPr>
+            <a:spLocks noGrp="1" noRot="1" noChangeAspect="1" noMove="1" noResize="1" noEditPoints="1" noAdjustHandles="1" noChangeArrowheads="1" noChangeShapeType="1" noTextEdit="1"/>
+          </p:cNvSpPr>
+          <p:nvPr>
+            <p:extLst>
+              <p:ext uri="{386F3935-93C4-4BCD-93E2-E3B085C9AB24}">
+                <p16:designElem xmlns:p16="http://schemas.microsoft.com/office/powerpoint/2015/main" val="1"/>
+              </p:ext>
+            </p:extLst>
+          </p:nvPr>
+        </p:nvSpPr>
+        <p:spPr>
+          <a:xfrm>
+            <a:off x="765093" y="2563839"/>
+            <a:ext cx="3931920" cy="27432"/>
+          </a:xfrm>
+          <a:custGeom>
+            <a:avLst/>
+            <a:gdLst>
+              <a:gd name="connsiteX0" fmla="*/ 0 w 3931920"/>
+              <a:gd name="connsiteY0" fmla="*/ 0 h 27432"/>
+              <a:gd name="connsiteX1" fmla="*/ 733958 w 3931920"/>
+              <a:gd name="connsiteY1" fmla="*/ 0 h 27432"/>
+              <a:gd name="connsiteX2" fmla="*/ 1428598 w 3931920"/>
+              <a:gd name="connsiteY2" fmla="*/ 0 h 27432"/>
+              <a:gd name="connsiteX3" fmla="*/ 2123237 w 3931920"/>
+              <a:gd name="connsiteY3" fmla="*/ 0 h 27432"/>
+              <a:gd name="connsiteX4" fmla="*/ 2660599 w 3931920"/>
+              <a:gd name="connsiteY4" fmla="*/ 0 h 27432"/>
+              <a:gd name="connsiteX5" fmla="*/ 3237281 w 3931920"/>
+              <a:gd name="connsiteY5" fmla="*/ 0 h 27432"/>
+              <a:gd name="connsiteX6" fmla="*/ 3931920 w 3931920"/>
+              <a:gd name="connsiteY6" fmla="*/ 0 h 27432"/>
+              <a:gd name="connsiteX7" fmla="*/ 3931920 w 3931920"/>
+              <a:gd name="connsiteY7" fmla="*/ 27432 h 27432"/>
+              <a:gd name="connsiteX8" fmla="*/ 3276600 w 3931920"/>
+              <a:gd name="connsiteY8" fmla="*/ 27432 h 27432"/>
+              <a:gd name="connsiteX9" fmla="*/ 2739238 w 3931920"/>
+              <a:gd name="connsiteY9" fmla="*/ 27432 h 27432"/>
+              <a:gd name="connsiteX10" fmla="*/ 2201875 w 3931920"/>
+              <a:gd name="connsiteY10" fmla="*/ 27432 h 27432"/>
+              <a:gd name="connsiteX11" fmla="*/ 1507236 w 3931920"/>
+              <a:gd name="connsiteY11" fmla="*/ 27432 h 27432"/>
+              <a:gd name="connsiteX12" fmla="*/ 930554 w 3931920"/>
+              <a:gd name="connsiteY12" fmla="*/ 27432 h 27432"/>
+              <a:gd name="connsiteX13" fmla="*/ 0 w 3931920"/>
+              <a:gd name="connsiteY13" fmla="*/ 27432 h 27432"/>
+              <a:gd name="connsiteX14" fmla="*/ 0 w 3931920"/>
+              <a:gd name="connsiteY14" fmla="*/ 0 h 27432"/>
+            </a:gdLst>
+            <a:ahLst/>
+            <a:cxnLst>
+              <a:cxn ang="0">
+                <a:pos x="connsiteX0" y="connsiteY0"/>
+              </a:cxn>
+              <a:cxn ang="0">
+                <a:pos x="connsiteX1" y="connsiteY1"/>
+              </a:cxn>
+              <a:cxn ang="0">
+                <a:pos x="connsiteX2" y="connsiteY2"/>
+              </a:cxn>
+              <a:cxn ang="0">
+                <a:pos x="connsiteX3" y="connsiteY3"/>
+              </a:cxn>
+              <a:cxn ang="0">
+                <a:pos x="connsiteX4" y="connsiteY4"/>
+              </a:cxn>
+              <a:cxn ang="0">
+                <a:pos x="connsiteX5" y="connsiteY5"/>
+              </a:cxn>
+              <a:cxn ang="0">
+                <a:pos x="connsiteX6" y="connsiteY6"/>
+              </a:cxn>
+              <a:cxn ang="0">
+                <a:pos x="connsiteX7" y="connsiteY7"/>
+              </a:cxn>
+              <a:cxn ang="0">
+                <a:pos x="connsiteX8" y="connsiteY8"/>
+              </a:cxn>
+              <a:cxn ang="0">
+                <a:pos x="connsiteX9" y="connsiteY9"/>
+              </a:cxn>
+              <a:cxn ang="0">
+                <a:pos x="connsiteX10" y="connsiteY10"/>
+              </a:cxn>
+              <a:cxn ang="0">
+                <a:pos x="connsiteX11" y="connsiteY11"/>
+              </a:cxn>
+              <a:cxn ang="0">
+                <a:pos x="connsiteX12" y="connsiteY12"/>
+              </a:cxn>
+              <a:cxn ang="0">
+                <a:pos x="connsiteX13" y="connsiteY13"/>
+              </a:cxn>
+              <a:cxn ang="0">
+                <a:pos x="connsiteX14" y="connsiteY14"/>
+              </a:cxn>
+            </a:cxnLst>
+            <a:rect l="l" t="t" r="r" b="b"/>
+            <a:pathLst>
+              <a:path w="3931920" h="27432" fill="none" extrusionOk="0">
+                <a:moveTo>
+                  <a:pt x="0" y="0"/>
+                </a:moveTo>
+                <a:cubicBezTo>
+                  <a:pt x="245351" y="16874"/>
+                  <a:pt x="509174" y="13736"/>
+                  <a:pt x="733958" y="0"/>
+                </a:cubicBezTo>
+                <a:cubicBezTo>
+                  <a:pt x="958742" y="-13736"/>
+                  <a:pt x="1245406" y="-17215"/>
+                  <a:pt x="1428598" y="0"/>
+                </a:cubicBezTo>
+                <a:cubicBezTo>
+                  <a:pt x="1611790" y="17215"/>
+                  <a:pt x="1930525" y="20562"/>
+                  <a:pt x="2123237" y="0"/>
+                </a:cubicBezTo>
+                <a:cubicBezTo>
+                  <a:pt x="2315949" y="-20562"/>
+                  <a:pt x="2485508" y="11332"/>
+                  <a:pt x="2660599" y="0"/>
+                </a:cubicBezTo>
+                <a:cubicBezTo>
+                  <a:pt x="2835690" y="-11332"/>
+                  <a:pt x="3075198" y="-14809"/>
+                  <a:pt x="3237281" y="0"/>
+                </a:cubicBezTo>
+                <a:cubicBezTo>
+                  <a:pt x="3399364" y="14809"/>
+                  <a:pt x="3745084" y="-4992"/>
+                  <a:pt x="3931920" y="0"/>
+                </a:cubicBezTo>
+                <a:cubicBezTo>
+                  <a:pt x="3930963" y="8431"/>
+                  <a:pt x="3931571" y="14612"/>
+                  <a:pt x="3931920" y="27432"/>
+                </a:cubicBezTo>
+                <a:cubicBezTo>
+                  <a:pt x="3765435" y="40792"/>
+                  <a:pt x="3452398" y="38703"/>
+                  <a:pt x="3276600" y="27432"/>
+                </a:cubicBezTo>
+                <a:cubicBezTo>
+                  <a:pt x="3100802" y="16161"/>
+                  <a:pt x="2914889" y="26998"/>
+                  <a:pt x="2739238" y="27432"/>
+                </a:cubicBezTo>
+                <a:cubicBezTo>
+                  <a:pt x="2563587" y="27866"/>
+                  <a:pt x="2395484" y="39154"/>
+                  <a:pt x="2201875" y="27432"/>
+                </a:cubicBezTo>
+                <a:cubicBezTo>
+                  <a:pt x="2008266" y="15710"/>
+                  <a:pt x="1781367" y="4899"/>
+                  <a:pt x="1507236" y="27432"/>
+                </a:cubicBezTo>
+                <a:cubicBezTo>
+                  <a:pt x="1233105" y="49965"/>
+                  <a:pt x="1075495" y="47542"/>
+                  <a:pt x="930554" y="27432"/>
+                </a:cubicBezTo>
+                <a:cubicBezTo>
+                  <a:pt x="785613" y="7322"/>
+                  <a:pt x="268930" y="30433"/>
+                  <a:pt x="0" y="27432"/>
+                </a:cubicBezTo>
+                <a:cubicBezTo>
+                  <a:pt x="226" y="18208"/>
+                  <a:pt x="-648" y="12891"/>
+                  <a:pt x="0" y="0"/>
+                </a:cubicBezTo>
+                <a:close/>
+              </a:path>
+              <a:path w="3931920" h="27432" stroke="0" extrusionOk="0">
+                <a:moveTo>
+                  <a:pt x="0" y="0"/>
+                </a:moveTo>
+                <a:cubicBezTo>
+                  <a:pt x="278269" y="4786"/>
+                  <a:pt x="349028" y="-10422"/>
+                  <a:pt x="616001" y="0"/>
+                </a:cubicBezTo>
+                <a:cubicBezTo>
+                  <a:pt x="882974" y="10422"/>
+                  <a:pt x="931617" y="-15515"/>
+                  <a:pt x="1153363" y="0"/>
+                </a:cubicBezTo>
+                <a:cubicBezTo>
+                  <a:pt x="1375109" y="15515"/>
+                  <a:pt x="1704089" y="-3631"/>
+                  <a:pt x="1887322" y="0"/>
+                </a:cubicBezTo>
+                <a:cubicBezTo>
+                  <a:pt x="2070555" y="3631"/>
+                  <a:pt x="2344155" y="2213"/>
+                  <a:pt x="2503322" y="0"/>
+                </a:cubicBezTo>
+                <a:cubicBezTo>
+                  <a:pt x="2662489" y="-2213"/>
+                  <a:pt x="2976859" y="26691"/>
+                  <a:pt x="3119323" y="0"/>
+                </a:cubicBezTo>
+                <a:cubicBezTo>
+                  <a:pt x="3261787" y="-26691"/>
+                  <a:pt x="3588171" y="-28651"/>
+                  <a:pt x="3931920" y="0"/>
+                </a:cubicBezTo>
+                <a:cubicBezTo>
+                  <a:pt x="3930565" y="9524"/>
+                  <a:pt x="3930718" y="13975"/>
+                  <a:pt x="3931920" y="27432"/>
+                </a:cubicBezTo>
+                <a:cubicBezTo>
+                  <a:pt x="3664329" y="4021"/>
+                  <a:pt x="3437686" y="14511"/>
+                  <a:pt x="3276600" y="27432"/>
+                </a:cubicBezTo>
+                <a:cubicBezTo>
+                  <a:pt x="3115514" y="40353"/>
+                  <a:pt x="2913592" y="48967"/>
+                  <a:pt x="2739238" y="27432"/>
+                </a:cubicBezTo>
+                <a:cubicBezTo>
+                  <a:pt x="2564884" y="5897"/>
+                  <a:pt x="2294049" y="39820"/>
+                  <a:pt x="2083918" y="27432"/>
+                </a:cubicBezTo>
+                <a:cubicBezTo>
+                  <a:pt x="1873787" y="15044"/>
+                  <a:pt x="1718903" y="21388"/>
+                  <a:pt x="1428598" y="27432"/>
+                </a:cubicBezTo>
+                <a:cubicBezTo>
+                  <a:pt x="1138293" y="33476"/>
+                  <a:pt x="952209" y="50441"/>
+                  <a:pt x="812597" y="27432"/>
+                </a:cubicBezTo>
+                <a:cubicBezTo>
+                  <a:pt x="672985" y="4423"/>
+                  <a:pt x="305800" y="28240"/>
+                  <a:pt x="0" y="27432"/>
+                </a:cubicBezTo>
+                <a:cubicBezTo>
+                  <a:pt x="-800" y="16780"/>
+                  <a:pt x="-583" y="12910"/>
+                  <a:pt x="0" y="0"/>
+                </a:cubicBezTo>
+                <a:close/>
+              </a:path>
+            </a:pathLst>
+          </a:custGeom>
+          <a:solidFill>
+            <a:srgbClr val="DD3397"/>
+          </a:solidFill>
+          <a:ln w="38100" cap="rnd">
+            <a:solidFill>
+              <a:srgbClr val="DD3397"/>
+            </a:solidFill>
+            <a:round/>
+            <a:extLst>
+              <a:ext uri="{C807C97D-BFC1-408E-A445-0C87EB9F89A2}">
+                <ask:lineSketchStyleProps xmlns:ask="http://schemas.microsoft.com/office/drawing/2018/sketchyshapes" sd="1219033472">
+                  <a:prstGeom prst="rect">
+                    <a:avLst/>
+                  </a:prstGeom>
+                  <ask:type>
+                    <ask:lineSketchFreehand/>
+                  </ask:type>
+                </ask:lineSketchStyleProps>
+              </a:ext>
+            </a:extLst>
+          </a:ln>
+        </p:spPr>
+        <p:style>
+          <a:lnRef idx="2">
+            <a:schemeClr val="accent1">
+              <a:shade val="50000"/>
+            </a:schemeClr>
+          </a:lnRef>
+          <a:fillRef idx="1">
+            <a:schemeClr val="accent1"/>
+          </a:fillRef>
+          <a:effectRef idx="0">
+            <a:schemeClr val="accent1"/>
+          </a:effectRef>
+          <a:fontRef idx="minor">
+            <a:schemeClr val="lt1"/>
+          </a:fontRef>
+        </p:style>
+        <p:txBody>
+          <a:bodyPr rtlCol="0" anchor="ctr"/>
+          <a:lstStyle/>
+          <a:p>
+            <a:pPr algn="ctr"/>
+            <a:endParaRPr lang="en-US"/>
+          </a:p>
+        </p:txBody>
+      </p:sp>
+      <p:sp>
+        <p:nvSpPr>
+          <p:cNvPr id="9" name="Content Placeholder 8">
+            <a:extLst>
+              <a:ext uri="{FF2B5EF4-FFF2-40B4-BE49-F238E27FC236}">
+                <a16:creationId xmlns:a16="http://schemas.microsoft.com/office/drawing/2014/main" id="{039840A2-C2FF-41F1-8A7C-B791C49C3062}"/>
+              </a:ext>
+            </a:extLst>
+          </p:cNvPr>
+          <p:cNvSpPr>
+            <a:spLocks noGrp="1"/>
+          </p:cNvSpPr>
+          <p:nvPr>
+            <p:ph idx="1"/>
+          </p:nvPr>
+        </p:nvSpPr>
+        <p:spPr>
+          <a:xfrm>
+            <a:off x="640080" y="2872899"/>
+            <a:ext cx="4944291" cy="3320668"/>
+          </a:xfrm>
+        </p:spPr>
+        <p:txBody>
+          <a:bodyPr>
+            <a:normAutofit/>
+          </a:bodyPr>
+          <a:lstStyle/>
+          <a:p>
+            <a:r>
+              <a:rPr lang="en-US" dirty="0"/>
+              <a:t>Project links: (</a:t>
+            </a:r>
+            <a:r>
+              <a:rPr lang="en-US" dirty="0">
+                <a:hlinkClick r:id="rId3"/>
+              </a:rPr>
+              <a:t>https://nevonprojects.com/iot-projects/</a:t>
+            </a:r>
+            <a:r>
+              <a:rPr lang="en-US" dirty="0"/>
+              <a:t>)</a:t>
+            </a:r>
+          </a:p>
+        </p:txBody>
+      </p:sp>
+      <p:pic>
+        <p:nvPicPr>
+          <p:cNvPr id="5" name="Content Placeholder 4" descr="Empty speech bubbles">
+            <a:extLst>
+              <a:ext uri="{FF2B5EF4-FFF2-40B4-BE49-F238E27FC236}">
+                <a16:creationId xmlns:a16="http://schemas.microsoft.com/office/drawing/2014/main" id="{AB93C79B-3727-094C-BE9F-1A8F4A40AE44}"/>
+              </a:ext>
+            </a:extLst>
+          </p:cNvPr>
+          <p:cNvPicPr>
+            <a:picLocks noChangeAspect="1"/>
+          </p:cNvPicPr>
+          <p:nvPr/>
+        </p:nvPicPr>
+        <p:blipFill rotWithShape="1">
+          <a:blip r:embed="rId4"/>
+          <a:srcRect l="20748" r="12298" b="-1"/>
+          <a:stretch/>
+        </p:blipFill>
+        <p:spPr>
+          <a:xfrm>
+            <a:off x="5773775" y="10"/>
+            <a:ext cx="6416702" cy="6857990"/>
+          </a:xfrm>
+          <a:custGeom>
+            <a:avLst/>
+            <a:gdLst/>
+            <a:ahLst/>
+            <a:cxnLst/>
+            <a:rect l="l" t="t" r="r" b="b"/>
+            <a:pathLst>
+              <a:path w="6878775" h="6858000">
+                <a:moveTo>
+                  <a:pt x="1102973" y="0"/>
+                </a:moveTo>
+                <a:lnTo>
+                  <a:pt x="1160688" y="0"/>
+                </a:lnTo>
+                <a:lnTo>
+                  <a:pt x="983189" y="331786"/>
+                </a:lnTo>
+                <a:cubicBezTo>
+                  <a:pt x="914866" y="469145"/>
+                  <a:pt x="850355" y="608712"/>
+                  <a:pt x="789261" y="750263"/>
+                </a:cubicBezTo>
+                <a:cubicBezTo>
+                  <a:pt x="774307" y="784928"/>
+                  <a:pt x="759992" y="819849"/>
+                  <a:pt x="745295" y="854514"/>
+                </a:cubicBezTo>
+                <a:cubicBezTo>
+                  <a:pt x="756682" y="845393"/>
+                  <a:pt x="765489" y="833492"/>
+                  <a:pt x="770857" y="819975"/>
+                </a:cubicBezTo>
+                <a:cubicBezTo>
+                  <a:pt x="879943" y="589569"/>
+                  <a:pt x="999605" y="365513"/>
+                  <a:pt x="1131329" y="148742"/>
+                </a:cubicBezTo>
+                <a:lnTo>
+                  <a:pt x="1227589" y="0"/>
+                </a:lnTo>
+                <a:lnTo>
+                  <a:pt x="6878775" y="0"/>
+                </a:lnTo>
+                <a:lnTo>
+                  <a:pt x="6878775" y="6858000"/>
+                </a:lnTo>
+                <a:lnTo>
+                  <a:pt x="713521" y="6858000"/>
+                </a:lnTo>
+                <a:lnTo>
+                  <a:pt x="625642" y="6670527"/>
+                </a:lnTo>
+                <a:cubicBezTo>
+                  <a:pt x="507232" y="6398531"/>
+                  <a:pt x="403083" y="6118381"/>
+                  <a:pt x="312785" y="5830359"/>
+                </a:cubicBezTo>
+                <a:cubicBezTo>
+                  <a:pt x="278149" y="5719759"/>
+                  <a:pt x="248879" y="5607635"/>
+                  <a:pt x="212198" y="5480401"/>
+                </a:cubicBezTo>
+                <a:cubicBezTo>
+                  <a:pt x="212208" y="5491601"/>
+                  <a:pt x="212803" y="5502788"/>
+                  <a:pt x="213988" y="5513923"/>
+                </a:cubicBezTo>
+                <a:cubicBezTo>
+                  <a:pt x="264089" y="5723695"/>
+                  <a:pt x="307290" y="5935370"/>
+                  <a:pt x="365826" y="6142729"/>
+                </a:cubicBezTo>
+                <a:cubicBezTo>
+                  <a:pt x="433152" y="6380817"/>
+                  <a:pt x="510068" y="6614016"/>
+                  <a:pt x="597975" y="6841549"/>
+                </a:cubicBezTo>
+                <a:lnTo>
+                  <a:pt x="604824" y="6858000"/>
+                </a:lnTo>
+                <a:lnTo>
+                  <a:pt x="552056" y="6858000"/>
+                </a:lnTo>
+                <a:lnTo>
+                  <a:pt x="539576" y="6828295"/>
+                </a:lnTo>
+                <a:cubicBezTo>
+                  <a:pt x="380597" y="6414594"/>
+                  <a:pt x="260223" y="5988893"/>
+                  <a:pt x="171555" y="5552906"/>
+                </a:cubicBezTo>
+                <a:cubicBezTo>
+                  <a:pt x="91163" y="5157998"/>
+                  <a:pt x="43746" y="4758899"/>
+                  <a:pt x="12305" y="4357388"/>
+                </a:cubicBezTo>
+                <a:cubicBezTo>
+                  <a:pt x="-14281" y="4013908"/>
+                  <a:pt x="4507" y="3672965"/>
+                  <a:pt x="46684" y="3331516"/>
+                </a:cubicBezTo>
+                <a:cubicBezTo>
+                  <a:pt x="127203" y="2664286"/>
+                  <a:pt x="277819" y="2007265"/>
+                  <a:pt x="496065" y="1371196"/>
+                </a:cubicBezTo>
+                <a:cubicBezTo>
+                  <a:pt x="636273" y="966066"/>
+                  <a:pt x="800445" y="573253"/>
+                  <a:pt x="995723" y="196614"/>
+                </a:cubicBezTo>
+                <a:close/>
+              </a:path>
+            </a:pathLst>
+          </a:custGeom>
+        </p:spPr>
+      </p:pic>
+    </p:spTree>
+    <p:extLst>
+      <p:ext uri="{BB962C8B-B14F-4D97-AF65-F5344CB8AC3E}">
+        <p14:creationId xmlns:p14="http://schemas.microsoft.com/office/powerpoint/2010/main" val="3949367318"/>
+      </p:ext>
+    </p:extLst>
+  </p:cSld>
+  <p:clrMapOvr>
+    <a:masterClrMapping/>
+  </p:clrMapOvr>
+</p:sld>
+</file>
+
+<file path=ppt/slides/slide14.xml><?xml version="1.0" encoding="utf-8"?>
+<p:sld xmlns:a="http://schemas.openxmlformats.org/drawingml/2006/main" xmlns:r="http://schemas.openxmlformats.org/officeDocument/2006/relationships" xmlns:p="http://schemas.openxmlformats.org/presentationml/2006/main">
+  <p:cSld>
+    <p:spTree>
+      <p:nvGrpSpPr>
+        <p:cNvPr id="1" name=""/>
+        <p:cNvGrpSpPr/>
+        <p:nvPr/>
+      </p:nvGrpSpPr>
+      <p:grpSpPr>
+        <a:xfrm>
+          <a:off x="0" y="0"/>
+          <a:ext cx="0" cy="0"/>
+          <a:chOff x="0" y="0"/>
+          <a:chExt cx="0" cy="0"/>
+        </a:xfrm>
+      </p:grpSpPr>
+      <p:sp>
+        <p:nvSpPr>
+          <p:cNvPr id="2" name="Title 1">
+            <a:extLst>
+              <a:ext uri="{FF2B5EF4-FFF2-40B4-BE49-F238E27FC236}">
+                <a16:creationId xmlns:a16="http://schemas.microsoft.com/office/drawing/2014/main" id="{24E4BD2A-8A35-9245-801B-CC47477F43E9}"/>
+              </a:ext>
+            </a:extLst>
+          </p:cNvPr>
+          <p:cNvSpPr>
+            <a:spLocks noGrp="1"/>
+          </p:cNvSpPr>
+          <p:nvPr>
+            <p:ph type="title"/>
+          </p:nvPr>
+        </p:nvSpPr>
+        <p:spPr/>
+        <p:txBody>
+          <a:bodyPr/>
+          <a:lstStyle/>
+          <a:p>
+            <a:r>
+              <a:rPr lang="en-US" dirty="0"/>
+              <a:t>Links</a:t>
+            </a:r>
+          </a:p>
+        </p:txBody>
+      </p:sp>
+      <p:sp>
+        <p:nvSpPr>
+          <p:cNvPr id="3" name="Content Placeholder 2">
+            <a:extLst>
+              <a:ext uri="{FF2B5EF4-FFF2-40B4-BE49-F238E27FC236}">
+                <a16:creationId xmlns:a16="http://schemas.microsoft.com/office/drawing/2014/main" id="{99AC0302-F936-434B-B527-8965E0BCE391}"/>
+              </a:ext>
+            </a:extLst>
+          </p:cNvPr>
+          <p:cNvSpPr>
+            <a:spLocks noGrp="1"/>
+          </p:cNvSpPr>
+          <p:nvPr>
+            <p:ph idx="1"/>
+          </p:nvPr>
+        </p:nvSpPr>
+        <p:spPr/>
+        <p:txBody>
+          <a:bodyPr>
+            <a:noAutofit/>
+          </a:bodyPr>
+          <a:lstStyle/>
+          <a:p>
+            <a:r>
+              <a:rPr lang="en-US" sz="2000" dirty="0"/>
+              <a:t>1. https://</a:t>
+            </a:r>
+            <a:r>
+              <a:rPr lang="en-US" sz="2000" dirty="0" err="1"/>
+              <a:t>www.raspberrypi.org</a:t>
+            </a:r>
+            <a:r>
+              <a:rPr lang="en-US" sz="2000" dirty="0"/>
+              <a:t>/help/what-%20is-a-raspberry-pi/</a:t>
+            </a:r>
+          </a:p>
+          <a:p>
+            <a:r>
+              <a:rPr lang="en-US" sz="2000" dirty="0"/>
+              <a:t>  2. https://</a:t>
+            </a:r>
+            <a:r>
+              <a:rPr lang="en-US" sz="2000" dirty="0" err="1"/>
+              <a:t>ubidots.com</a:t>
+            </a:r>
+            <a:r>
+              <a:rPr lang="en-US" sz="2000" dirty="0"/>
+              <a:t>/blog/building-a-people-counter-with-raspberry-pi-and-</a:t>
+            </a:r>
+            <a:r>
+              <a:rPr lang="en-US" sz="2000" dirty="0" err="1"/>
+              <a:t>ubidots</a:t>
+            </a:r>
+            <a:r>
+              <a:rPr lang="en-US" sz="2000" dirty="0"/>
+              <a:t>/</a:t>
+            </a:r>
+          </a:p>
+          <a:p>
+            <a:r>
+              <a:rPr lang="en-US" sz="2000" dirty="0"/>
+              <a:t>  3. https://</a:t>
+            </a:r>
+            <a:r>
+              <a:rPr lang="en-US" sz="2000" dirty="0" err="1"/>
+              <a:t>nevonprojects.com</a:t>
+            </a:r>
+            <a:r>
+              <a:rPr lang="en-US" sz="2000" dirty="0"/>
+              <a:t>/</a:t>
+            </a:r>
+            <a:r>
+              <a:rPr lang="en-US" sz="2000" dirty="0" err="1"/>
+              <a:t>iot</a:t>
+            </a:r>
+            <a:r>
+              <a:rPr lang="en-US" sz="2000" dirty="0"/>
+              <a:t>-projects/  </a:t>
+            </a:r>
+          </a:p>
+          <a:p>
+            <a:r>
+              <a:rPr lang="en-US" sz="2000" dirty="0"/>
+              <a:t>  4. https://</a:t>
+            </a:r>
+            <a:r>
+              <a:rPr lang="en-US" sz="2000" dirty="0" err="1"/>
+              <a:t>www.amazon.com</a:t>
+            </a:r>
+            <a:r>
+              <a:rPr lang="en-US" sz="2000" dirty="0"/>
+              <a:t>/</a:t>
+            </a:r>
+            <a:r>
+              <a:rPr lang="en-US" sz="2000" dirty="0" err="1"/>
+              <a:t>eBoot</a:t>
+            </a:r>
+            <a:r>
+              <a:rPr lang="en-US" sz="2000" dirty="0"/>
+              <a:t>-Pieces-Emitting-Diodes-Assorted/</a:t>
+            </a:r>
+            <a:r>
+              <a:rPr lang="en-US" sz="2000" dirty="0" err="1"/>
+              <a:t>dp</a:t>
+            </a:r>
+            <a:r>
+              <a:rPr lang="en-US" sz="2000" dirty="0"/>
+              <a:t>/B06XPV4CSH/ref=sr_1_3?crid=2OYJVO0PDODCY&amp;dchild=1&amp;keywords=</a:t>
+            </a:r>
+            <a:r>
+              <a:rPr lang="en-US" sz="2000" dirty="0" err="1"/>
+              <a:t>led+diodes&amp;qid</a:t>
+            </a:r>
+            <a:r>
+              <a:rPr lang="en-US" sz="2000" dirty="0"/>
+              <a:t>=1600764878&amp;sprefix=led%2Caps%2C221&amp;sr=8-3</a:t>
+            </a:r>
+          </a:p>
+          <a:p>
+            <a:r>
+              <a:rPr lang="en-US" sz="2000" dirty="0"/>
+              <a:t>  5. https://</a:t>
+            </a:r>
+            <a:r>
+              <a:rPr lang="en-US" sz="2000" dirty="0" err="1"/>
+              <a:t>www.amazon.com</a:t>
+            </a:r>
+            <a:r>
+              <a:rPr lang="en-US" sz="2000" dirty="0"/>
+              <a:t>/EDGELEC-Breadboard-Optional-Assorted-Multicolored/</a:t>
+            </a:r>
+            <a:r>
+              <a:rPr lang="en-US" sz="2000" dirty="0" err="1"/>
+              <a:t>dp</a:t>
+            </a:r>
+            <a:r>
+              <a:rPr lang="en-US" sz="2000" dirty="0"/>
+              <a:t>/B07GD2BWPY/ref=sr_1_3?crid=3NR1T5Z4FIRJR&amp;dchild=1&amp;keywords=</a:t>
+            </a:r>
+            <a:r>
+              <a:rPr lang="en-US" sz="2000" dirty="0" err="1"/>
+              <a:t>jumper+wires&amp;qid</a:t>
+            </a:r>
+            <a:r>
+              <a:rPr lang="en-US" sz="2000" dirty="0"/>
+              <a:t>=1600764924&amp;sprefix=jump%2Caps%2C222&amp;sr=8-3  </a:t>
+            </a:r>
+          </a:p>
+          <a:p>
+            <a:r>
+              <a:rPr lang="en-US" sz="2000" dirty="0"/>
+              <a:t>  6. https://</a:t>
+            </a:r>
+            <a:r>
+              <a:rPr lang="en-US" sz="2000" dirty="0" err="1"/>
+              <a:t>github.com</a:t>
+            </a:r>
+            <a:r>
+              <a:rPr lang="en-US" sz="2000" dirty="0"/>
+              <a:t>/</a:t>
+            </a:r>
+            <a:r>
+              <a:rPr lang="en-US" sz="2000" dirty="0" err="1"/>
+              <a:t>aswinpchn</a:t>
+            </a:r>
+            <a:r>
+              <a:rPr lang="en-US" sz="2000" dirty="0"/>
+              <a:t>/Task</a:t>
+            </a:r>
+          </a:p>
+        </p:txBody>
+      </p:sp>
+    </p:spTree>
+    <p:extLst>
+      <p:ext uri="{BB962C8B-B14F-4D97-AF65-F5344CB8AC3E}">
+        <p14:creationId xmlns:p14="http://schemas.microsoft.com/office/powerpoint/2010/main" val="3337178278"/>
+      </p:ext>
+    </p:extLst>
+  </p:cSld>
+  <p:clrMapOvr>
+    <a:masterClrMapping/>
+  </p:clrMapOvr>
+</p:sld>
+</file>
+
+<file path=ppt/slides/slide15.xml><?xml version="1.0" encoding="utf-8"?>
+<p:sld xmlns:a="http://schemas.openxmlformats.org/drawingml/2006/main" xmlns:r="http://schemas.openxmlformats.org/officeDocument/2006/relationships" xmlns:p="http://schemas.openxmlformats.org/presentationml/2006/main">
+  <p:cSld>
+    <p:spTree>
+      <p:nvGrpSpPr>
+        <p:cNvPr id="1" name=""/>
+        <p:cNvGrpSpPr/>
+        <p:nvPr/>
+      </p:nvGrpSpPr>
+      <p:grpSpPr>
+        <a:xfrm>
+          <a:off x="0" y="0"/>
+          <a:ext cx="0" cy="0"/>
+          <a:chOff x="0" y="0"/>
+          <a:chExt cx="0" cy="0"/>
+        </a:xfrm>
+      </p:grpSpPr>
+      <p:sp>
+        <p:nvSpPr>
+          <p:cNvPr id="2" name="Title 1">
+            <a:extLst>
+              <a:ext uri="{FF2B5EF4-FFF2-40B4-BE49-F238E27FC236}">
+                <a16:creationId xmlns:a16="http://schemas.microsoft.com/office/drawing/2014/main" id="{F7977371-885F-184A-9D8A-6A6100C4ABF5}"/>
+              </a:ext>
+            </a:extLst>
+          </p:cNvPr>
+          <p:cNvSpPr>
+            <a:spLocks noGrp="1"/>
+          </p:cNvSpPr>
+          <p:nvPr>
+            <p:ph type="title"/>
+          </p:nvPr>
+        </p:nvSpPr>
+        <p:spPr/>
+        <p:txBody>
+          <a:bodyPr/>
+          <a:lstStyle/>
+          <a:p>
+            <a:r>
+              <a:rPr lang="en-US" dirty="0"/>
+              <a:t>Thank you</a:t>
+            </a:r>
+          </a:p>
+        </p:txBody>
+      </p:sp>
+      <p:sp>
+        <p:nvSpPr>
+          <p:cNvPr id="3" name="Content Placeholder 2">
+            <a:extLst>
+              <a:ext uri="{FF2B5EF4-FFF2-40B4-BE49-F238E27FC236}">
+                <a16:creationId xmlns:a16="http://schemas.microsoft.com/office/drawing/2014/main" id="{FE5FAE8C-7DC5-1249-99C6-EC4024E5B198}"/>
+              </a:ext>
+            </a:extLst>
+          </p:cNvPr>
+          <p:cNvSpPr>
+            <a:spLocks noGrp="1"/>
+          </p:cNvSpPr>
+          <p:nvPr>
+            <p:ph idx="1"/>
+          </p:nvPr>
+        </p:nvSpPr>
+        <p:spPr/>
+        <p:txBody>
+          <a:bodyPr/>
+          <a:lstStyle/>
+          <a:p>
+            <a:r>
+              <a:rPr lang="en-US" dirty="0"/>
+              <a:t>Precautions</a:t>
+            </a:r>
+          </a:p>
+          <a:p>
+            <a:r>
+              <a:rPr lang="en-US" dirty="0"/>
+              <a:t>Questions</a:t>
+            </a:r>
+          </a:p>
+        </p:txBody>
+      </p:sp>
+    </p:spTree>
+    <p:extLst>
+      <p:ext uri="{BB962C8B-B14F-4D97-AF65-F5344CB8AC3E}">
+        <p14:creationId xmlns:p14="http://schemas.microsoft.com/office/powerpoint/2010/main" val="3493855073"/>
+      </p:ext>
+    </p:extLst>
+  </p:cSld>
+  <p:clrMapOvr>
+    <a:masterClrMapping/>
+  </p:clrMapOvr>
+</p:sld>
+</file>
+
+<file path=ppt/slides/slide2.xml><?xml version="1.0" encoding="utf-8"?>
+<p:sld xmlns:a="http://schemas.openxmlformats.org/drawingml/2006/main" xmlns:r="http://schemas.openxmlformats.org/officeDocument/2006/relationships" xmlns:p="http://schemas.openxmlformats.org/presentationml/2006/main">
+  <p:cSld>
+    <p:spTree>
+      <p:nvGrpSpPr>
+        <p:cNvPr id="1" name=""/>
+        <p:cNvGrpSpPr/>
+        <p:nvPr/>
+      </p:nvGrpSpPr>
+      <p:grpSpPr>
+        <a:xfrm>
+          <a:off x="0" y="0"/>
+          <a:ext cx="0" cy="0"/>
+          <a:chOff x="0" y="0"/>
+          <a:chExt cx="0" cy="0"/>
+        </a:xfrm>
+      </p:grpSpPr>
+      <p:sp>
+        <p:nvSpPr>
+          <p:cNvPr id="2" name="Title 1">
+            <a:extLst>
+              <a:ext uri="{FF2B5EF4-FFF2-40B4-BE49-F238E27FC236}">
+                <a16:creationId xmlns:a16="http://schemas.microsoft.com/office/drawing/2014/main" id="{4B71A740-23B1-0F4A-8E58-B45EFB2F08C7}"/>
+              </a:ext>
+            </a:extLst>
+          </p:cNvPr>
+          <p:cNvSpPr>
+            <a:spLocks noGrp="1"/>
+          </p:cNvSpPr>
+          <p:nvPr>
+            <p:ph type="title"/>
+          </p:nvPr>
+        </p:nvSpPr>
+        <p:spPr/>
+        <p:txBody>
+          <a:bodyPr/>
+          <a:lstStyle/>
+          <a:p>
+            <a:r>
+              <a:rPr lang="en-US" dirty="0"/>
+              <a:t>Agenda</a:t>
+            </a:r>
+          </a:p>
+        </p:txBody>
+      </p:sp>
+      <p:sp>
+        <p:nvSpPr>
+          <p:cNvPr id="3" name="Content Placeholder 2">
+            <a:extLst>
+              <a:ext uri="{FF2B5EF4-FFF2-40B4-BE49-F238E27FC236}">
+                <a16:creationId xmlns:a16="http://schemas.microsoft.com/office/drawing/2014/main" id="{A259562D-23EE-E248-8795-ECFE1D93B9C0}"/>
+              </a:ext>
+            </a:extLst>
+          </p:cNvPr>
+          <p:cNvSpPr>
+            <a:spLocks noGrp="1"/>
+          </p:cNvSpPr>
+          <p:nvPr>
+            <p:ph idx="1"/>
+          </p:nvPr>
+        </p:nvSpPr>
+        <p:spPr/>
+        <p:txBody>
+          <a:bodyPr/>
+          <a:lstStyle/>
+          <a:p>
+            <a:r>
+              <a:rPr lang="en-US" dirty="0"/>
+              <a:t>Introduction to IOT</a:t>
+            </a:r>
+          </a:p>
+          <a:p>
+            <a:r>
+              <a:rPr lang="en-US" dirty="0"/>
+              <a:t>Building your own smart device</a:t>
+            </a:r>
+          </a:p>
+          <a:p>
+            <a:r>
+              <a:rPr lang="en-US" dirty="0"/>
+              <a:t>Other project ideas</a:t>
+            </a:r>
+          </a:p>
+          <a:p>
+            <a:endParaRPr lang="en-US" dirty="0"/>
+          </a:p>
+          <a:p>
+            <a:endParaRPr lang="en-US" dirty="0"/>
+          </a:p>
+        </p:txBody>
+      </p:sp>
+    </p:spTree>
+    <p:extLst>
+      <p:ext uri="{BB962C8B-B14F-4D97-AF65-F5344CB8AC3E}">
+        <p14:creationId xmlns:p14="http://schemas.microsoft.com/office/powerpoint/2010/main" val="173139214"/>
       </p:ext>
     </p:extLst>
   </p:cSld>
@@ -8068,7 +10446,7 @@
           </p:nvPr>
         </p:nvPicPr>
         <p:blipFill>
-          <a:blip r:embed="rId2">
+          <a:blip r:embed="rId3">
             <a:extLst>
               <a:ext uri="{28A0092B-C50C-407E-A947-70E740481C1C}">
                 <a14:useLocalDpi xmlns:a14="http://schemas.microsoft.com/office/drawing/2010/main" val="0"/>
@@ -8116,14 +10494,6 @@
 <file path=ppt/slides/slide4.xml><?xml version="1.0" encoding="utf-8"?>
 <p:sld xmlns:a="http://schemas.openxmlformats.org/drawingml/2006/main" xmlns:r="http://schemas.openxmlformats.org/officeDocument/2006/relationships" xmlns:p="http://schemas.openxmlformats.org/presentationml/2006/main">
   <p:cSld>
-    <p:bg>
-      <p:bgPr>
-        <a:solidFill>
-          <a:schemeClr val="bg1"/>
-        </a:solidFill>
-        <a:effectLst/>
-      </p:bgPr>
-    </p:bg>
     <p:spTree>
       <p:nvGrpSpPr>
         <p:cNvPr id="1" name=""/>
@@ -8138,260 +10508,96 @@
           <a:chExt cx="0" cy="0"/>
         </a:xfrm>
       </p:grpSpPr>
-      <p:sp useBgFill="1">
-        <p:nvSpPr>
-          <p:cNvPr id="18" name="Rectangle 17">
+      <p:sp>
+        <p:nvSpPr>
+          <p:cNvPr id="2" name="Title 1">
             <a:extLst>
               <a:ext uri="{FF2B5EF4-FFF2-40B4-BE49-F238E27FC236}">
-                <a16:creationId xmlns:a16="http://schemas.microsoft.com/office/drawing/2014/main" id="{678CC48C-9275-4EFA-9B84-8E818500B9C1}"/>
-              </a:ext>
-              <a:ext uri="{C183D7F6-B498-43B3-948B-1728B52AA6E4}">
-                <adec:decorative xmlns:adec="http://schemas.microsoft.com/office/drawing/2017/decorative" val="1"/>
+                <a16:creationId xmlns:a16="http://schemas.microsoft.com/office/drawing/2014/main" id="{1601BF4A-547B-2946-8356-65BDBFB8BC5D}"/>
               </a:ext>
             </a:extLst>
           </p:cNvPr>
           <p:cNvSpPr>
-            <a:spLocks noGrp="1" noRot="1" noChangeAspect="1" noMove="1" noResize="1" noEditPoints="1" noAdjustHandles="1" noChangeArrowheads="1" noChangeShapeType="1" noTextEdit="1"/>
-          </p:cNvSpPr>
-          <p:nvPr>
-            <p:extLst>
-              <p:ext uri="{386F3935-93C4-4BCD-93E2-E3B085C9AB24}">
-                <p16:designElem xmlns:p16="http://schemas.microsoft.com/office/powerpoint/2015/main" val="1"/>
-              </p:ext>
-            </p:extLst>
-          </p:nvPr>
-        </p:nvSpPr>
-        <p:spPr>
-          <a:xfrm>
-            <a:off x="0" y="0"/>
-            <a:ext cx="12188952" cy="6858000"/>
-          </a:xfrm>
-          <a:prstGeom prst="rect">
-            <a:avLst/>
-          </a:prstGeom>
-          <a:ln>
-            <a:noFill/>
-          </a:ln>
-        </p:spPr>
-        <p:style>
-          <a:lnRef idx="2">
-            <a:schemeClr val="accent1">
-              <a:shade val="50000"/>
-            </a:schemeClr>
-          </a:lnRef>
-          <a:fillRef idx="1">
-            <a:schemeClr val="accent1"/>
-          </a:fillRef>
-          <a:effectRef idx="0">
-            <a:schemeClr val="accent1"/>
-          </a:effectRef>
-          <a:fontRef idx="minor">
-            <a:schemeClr val="lt1"/>
-          </a:fontRef>
-        </p:style>
-        <p:txBody>
-          <a:bodyPr rtlCol="0" anchor="ctr"/>
+            <a:spLocks noGrp="1"/>
+          </p:cNvSpPr>
+          <p:nvPr>
+            <p:ph type="title"/>
+          </p:nvPr>
+        </p:nvSpPr>
+        <p:spPr/>
+        <p:txBody>
+          <a:bodyPr/>
           <a:lstStyle/>
           <a:p>
-            <a:pPr algn="ctr"/>
-            <a:endParaRPr lang="en-US"/>
-          </a:p>
-        </p:txBody>
-      </p:sp>
-      <p:pic>
-        <p:nvPicPr>
-          <p:cNvPr id="4" name="Picture 3">
+            <a:r>
+              <a:rPr lang="en-US" dirty="0"/>
+              <a:t>Required Hardware</a:t>
+            </a:r>
+          </a:p>
+        </p:txBody>
+      </p:sp>
+      <p:sp>
+        <p:nvSpPr>
+          <p:cNvPr id="5" name="Content Placeholder 4">
             <a:extLst>
               <a:ext uri="{FF2B5EF4-FFF2-40B4-BE49-F238E27FC236}">
-                <a16:creationId xmlns:a16="http://schemas.microsoft.com/office/drawing/2014/main" id="{F4D26FE6-629B-40CF-8C1A-D0A79A77EC8C}"/>
+                <a16:creationId xmlns:a16="http://schemas.microsoft.com/office/drawing/2014/main" id="{E6B75E61-EAA1-2F44-A9B8-60FF7519E0D8}"/>
               </a:ext>
             </a:extLst>
           </p:cNvPr>
-          <p:cNvPicPr>
-            <a:picLocks noChangeAspect="1"/>
-          </p:cNvPicPr>
-          <p:nvPr/>
-        </p:nvPicPr>
-        <p:blipFill rotWithShape="1">
-          <a:blip r:embed="rId2"/>
-          <a:srcRect l="25"/>
-          <a:stretch/>
-        </p:blipFill>
-        <p:spPr>
-          <a:xfrm>
-            <a:off x="20" y="10"/>
-            <a:ext cx="12188930" cy="6857990"/>
-          </a:xfrm>
-          <a:prstGeom prst="rect">
-            <a:avLst/>
-          </a:prstGeom>
-        </p:spPr>
-      </p:pic>
-      <p:sp>
-        <p:nvSpPr>
-          <p:cNvPr id="20" name="Rectangle 19">
-            <a:extLst>
-              <a:ext uri="{FF2B5EF4-FFF2-40B4-BE49-F238E27FC236}">
-                <a16:creationId xmlns:a16="http://schemas.microsoft.com/office/drawing/2014/main" id="{0A324144-E9CF-4B12-A53E-FAC0D281D8B0}"/>
-              </a:ext>
-              <a:ext uri="{C183D7F6-B498-43B3-948B-1728B52AA6E4}">
-                <adec:decorative xmlns:adec="http://schemas.microsoft.com/office/drawing/2017/decorative" val="1"/>
-              </a:ext>
-            </a:extLst>
-          </p:cNvPr>
-          <p:cNvSpPr>
-            <a:spLocks noGrp="1" noRot="1" noChangeAspect="1" noMove="1" noResize="1" noEditPoints="1" noAdjustHandles="1" noChangeArrowheads="1" noChangeShapeType="1" noTextEdit="1"/>
-          </p:cNvSpPr>
-          <p:nvPr>
-            <p:extLst>
-              <p:ext uri="{386F3935-93C4-4BCD-93E2-E3B085C9AB24}">
-                <p16:designElem xmlns:p16="http://schemas.microsoft.com/office/powerpoint/2015/main" val="1"/>
-              </p:ext>
-            </p:extLst>
-          </p:nvPr>
-        </p:nvSpPr>
-        <p:spPr>
-          <a:xfrm rot="10800000">
-            <a:off x="-3" y="4530071"/>
-            <a:ext cx="12191999" cy="2327926"/>
-          </a:xfrm>
-          <a:prstGeom prst="rect">
-            <a:avLst/>
-          </a:prstGeom>
-          <a:gradFill flip="none" rotWithShape="1">
-            <a:gsLst>
-              <a:gs pos="45000">
-                <a:schemeClr val="tx1">
-                  <a:alpha val="40000"/>
-                </a:schemeClr>
-              </a:gs>
-              <a:gs pos="100000">
-                <a:schemeClr val="tx1">
-                  <a:alpha val="80000"/>
-                </a:schemeClr>
-              </a:gs>
-              <a:gs pos="0">
-                <a:schemeClr val="tx1">
-                  <a:alpha val="0"/>
-                </a:schemeClr>
-              </a:gs>
-            </a:gsLst>
-            <a:lin ang="16200000" scaled="1"/>
-            <a:tileRect/>
-          </a:gradFill>
-          <a:ln>
-            <a:noFill/>
-          </a:ln>
-        </p:spPr>
-        <p:style>
-          <a:lnRef idx="2">
-            <a:schemeClr val="accent1">
-              <a:shade val="50000"/>
-            </a:schemeClr>
-          </a:lnRef>
-          <a:fillRef idx="1">
-            <a:schemeClr val="accent1"/>
-          </a:fillRef>
-          <a:effectRef idx="0">
-            <a:schemeClr val="accent1"/>
-          </a:effectRef>
-          <a:fontRef idx="minor">
-            <a:schemeClr val="lt1"/>
-          </a:fontRef>
-        </p:style>
-        <p:txBody>
-          <a:bodyPr rtlCol="0" anchor="ctr"/>
+          <p:cNvSpPr>
+            <a:spLocks noGrp="1"/>
+          </p:cNvSpPr>
+          <p:nvPr>
+            <p:ph idx="1"/>
+          </p:nvPr>
+        </p:nvSpPr>
+        <p:spPr/>
+        <p:txBody>
+          <a:bodyPr/>
           <a:lstStyle/>
           <a:p>
-            <a:pPr algn="ctr"/>
-            <a:endParaRPr lang="en-US"/>
-          </a:p>
-        </p:txBody>
-      </p:sp>
-      <p:sp>
-        <p:nvSpPr>
-          <p:cNvPr id="2" name="Title 1">
-            <a:extLst>
-              <a:ext uri="{FF2B5EF4-FFF2-40B4-BE49-F238E27FC236}">
-                <a16:creationId xmlns:a16="http://schemas.microsoft.com/office/drawing/2014/main" id="{76A0FC7C-D4B6-8F4B-8974-39C12F9E07EA}"/>
-              </a:ext>
-            </a:extLst>
-          </p:cNvPr>
-          <p:cNvSpPr>
-            <a:spLocks noGrp="1"/>
-          </p:cNvSpPr>
-          <p:nvPr>
-            <p:ph type="ctrTitle"/>
-          </p:nvPr>
-        </p:nvSpPr>
-        <p:spPr>
-          <a:xfrm>
-            <a:off x="641604" y="4553712"/>
-            <a:ext cx="10908792" cy="1069848"/>
-          </a:xfrm>
-        </p:spPr>
-        <p:txBody>
-          <a:bodyPr anchor="ctr">
-            <a:normAutofit/>
-          </a:bodyPr>
-          <a:lstStyle/>
-          <a:p>
-            <a:pPr algn="ctr"/>
-            <a:r>
-              <a:rPr lang="en-US" sz="6000" dirty="0">
-                <a:solidFill>
-                  <a:schemeClr val="bg1"/>
-                </a:solidFill>
-                <a:highlight>
-                  <a:srgbClr val="008000"/>
-                </a:highlight>
-              </a:rPr>
-              <a:t>Build your own smart device</a:t>
-            </a:r>
-          </a:p>
-        </p:txBody>
-      </p:sp>
-      <p:sp>
-        <p:nvSpPr>
-          <p:cNvPr id="3" name="Subtitle 2">
-            <a:extLst>
-              <a:ext uri="{FF2B5EF4-FFF2-40B4-BE49-F238E27FC236}">
-                <a16:creationId xmlns:a16="http://schemas.microsoft.com/office/drawing/2014/main" id="{4397F6A7-A6CE-CB4F-80F8-0E74A6CEE5CB}"/>
-              </a:ext>
-            </a:extLst>
-          </p:cNvPr>
-          <p:cNvSpPr>
-            <a:spLocks noGrp="1"/>
-          </p:cNvSpPr>
-          <p:nvPr>
-            <p:ph type="subTitle" idx="1"/>
-          </p:nvPr>
-        </p:nvSpPr>
-        <p:spPr>
-          <a:xfrm>
-            <a:off x="640080" y="5678424"/>
-            <a:ext cx="10908792" cy="548640"/>
-          </a:xfrm>
-        </p:spPr>
-        <p:txBody>
-          <a:bodyPr anchor="ctr">
-            <a:normAutofit/>
-          </a:bodyPr>
-          <a:lstStyle/>
-          <a:p>
-            <a:pPr algn="ctr"/>
-            <a:endParaRPr lang="en-US" sz="2400">
-              <a:solidFill>
-                <a:schemeClr val="bg1"/>
-              </a:solidFill>
-            </a:endParaRPr>
+            <a:r>
+              <a:rPr lang="en-US" dirty="0"/>
+              <a:t>Raspberry Pi with Micro SD card and Raspbian OS loaded.</a:t>
+            </a:r>
+          </a:p>
+          <a:p>
+            <a:r>
+              <a:rPr lang="en-US" dirty="0"/>
+              <a:t>Micro LED bulbs</a:t>
+            </a:r>
+          </a:p>
+          <a:p>
+            <a:r>
+              <a:rPr lang="en-US" dirty="0"/>
+              <a:t>Jumper wires</a:t>
+            </a:r>
+          </a:p>
+          <a:p>
+            <a:r>
+              <a:rPr lang="en-US" dirty="0"/>
+              <a:t>Bread board</a:t>
+            </a:r>
+          </a:p>
+          <a:p>
+            <a:r>
+              <a:rPr lang="en-US" dirty="0"/>
+              <a:t>Monitor (To be used as a display).</a:t>
+            </a:r>
+          </a:p>
+          <a:p>
+            <a:endParaRPr lang="en-US" dirty="0"/>
+          </a:p>
+          <a:p>
+            <a:endParaRPr lang="en-US" dirty="0"/>
           </a:p>
         </p:txBody>
       </p:sp>
     </p:spTree>
     <p:extLst>
       <p:ext uri="{BB962C8B-B14F-4D97-AF65-F5344CB8AC3E}">
-        <p14:creationId xmlns:p14="http://schemas.microsoft.com/office/powerpoint/2010/main" val="8311301"/>
+        <p14:creationId xmlns:p14="http://schemas.microsoft.com/office/powerpoint/2010/main" val="3218933280"/>
       </p:ext>
     </p:extLst>
   </p:cSld>
@@ -8423,7 +10629,7 @@
           <p:cNvPr id="2" name="Title 1">
             <a:extLst>
               <a:ext uri="{FF2B5EF4-FFF2-40B4-BE49-F238E27FC236}">
-                <a16:creationId xmlns:a16="http://schemas.microsoft.com/office/drawing/2014/main" id="{5E5B303B-6928-7643-A25F-6CA4AB626ED5}"/>
+                <a16:creationId xmlns:a16="http://schemas.microsoft.com/office/drawing/2014/main" id="{942C6D97-FD10-C64B-A921-EDAACE128C5C}"/>
               </a:ext>
             </a:extLst>
           </p:cNvPr>
@@ -8440,6 +10646,310 @@
           <a:lstStyle/>
           <a:p>
             <a:r>
+              <a:rPr lang="en-US" dirty="0">
+                <a:solidFill>
+                  <a:schemeClr val="bg1"/>
+                </a:solidFill>
+                <a:highlight>
+                  <a:srgbClr val="008000"/>
+                </a:highlight>
+              </a:rPr>
+              <a:t>Build your own smart device</a:t>
+            </a:r>
+            <a:endParaRPr lang="en-US" dirty="0"/>
+          </a:p>
+        </p:txBody>
+      </p:sp>
+      <p:sp>
+        <p:nvSpPr>
+          <p:cNvPr id="3" name="Content Placeholder 2">
+            <a:extLst>
+              <a:ext uri="{FF2B5EF4-FFF2-40B4-BE49-F238E27FC236}">
+                <a16:creationId xmlns:a16="http://schemas.microsoft.com/office/drawing/2014/main" id="{8F4B151E-73AE-554B-A7DA-27B1C6C04BB7}"/>
+              </a:ext>
+            </a:extLst>
+          </p:cNvPr>
+          <p:cNvSpPr>
+            <a:spLocks noGrp="1"/>
+          </p:cNvSpPr>
+          <p:nvPr>
+            <p:ph idx="1"/>
+          </p:nvPr>
+        </p:nvSpPr>
+        <p:spPr/>
+        <p:txBody>
+          <a:bodyPr/>
+          <a:lstStyle/>
+          <a:p>
+            <a:pPr marL="0" indent="0">
+              <a:buNone/>
+            </a:pPr>
+            <a:endParaRPr lang="en-US" dirty="0"/>
+          </a:p>
+        </p:txBody>
+      </p:sp>
+    </p:spTree>
+    <p:extLst>
+      <p:ext uri="{BB962C8B-B14F-4D97-AF65-F5344CB8AC3E}">
+        <p14:creationId xmlns:p14="http://schemas.microsoft.com/office/powerpoint/2010/main" val="2400719175"/>
+      </p:ext>
+    </p:extLst>
+  </p:cSld>
+  <p:clrMapOvr>
+    <a:masterClrMapping/>
+  </p:clrMapOvr>
+</p:sld>
+</file>
+
+<file path=ppt/slides/slide6.xml><?xml version="1.0" encoding="utf-8"?>
+<p:sld xmlns:a="http://schemas.openxmlformats.org/drawingml/2006/main" xmlns:r="http://schemas.openxmlformats.org/officeDocument/2006/relationships" xmlns:p="http://schemas.openxmlformats.org/presentationml/2006/main">
+  <p:cSld>
+    <p:spTree>
+      <p:nvGrpSpPr>
+        <p:cNvPr id="1" name=""/>
+        <p:cNvGrpSpPr/>
+        <p:nvPr/>
+      </p:nvGrpSpPr>
+      <p:grpSpPr>
+        <a:xfrm>
+          <a:off x="0" y="0"/>
+          <a:ext cx="0" cy="0"/>
+          <a:chOff x="0" y="0"/>
+          <a:chExt cx="0" cy="0"/>
+        </a:xfrm>
+      </p:grpSpPr>
+      <p:sp>
+        <p:nvSpPr>
+          <p:cNvPr id="2" name="Title 1">
+            <a:extLst>
+              <a:ext uri="{FF2B5EF4-FFF2-40B4-BE49-F238E27FC236}">
+                <a16:creationId xmlns:a16="http://schemas.microsoft.com/office/drawing/2014/main" id="{942C6D97-FD10-C64B-A921-EDAACE128C5C}"/>
+              </a:ext>
+            </a:extLst>
+          </p:cNvPr>
+          <p:cNvSpPr>
+            <a:spLocks noGrp="1"/>
+          </p:cNvSpPr>
+          <p:nvPr>
+            <p:ph type="title"/>
+          </p:nvPr>
+        </p:nvSpPr>
+        <p:spPr/>
+        <p:txBody>
+          <a:bodyPr/>
+          <a:lstStyle/>
+          <a:p>
+            <a:r>
+              <a:rPr lang="en-US" dirty="0">
+                <a:solidFill>
+                  <a:schemeClr val="bg1"/>
+                </a:solidFill>
+                <a:highlight>
+                  <a:srgbClr val="008000"/>
+                </a:highlight>
+              </a:rPr>
+              <a:t>Build your own smart device-sections</a:t>
+            </a:r>
+            <a:endParaRPr lang="en-US" dirty="0"/>
+          </a:p>
+        </p:txBody>
+      </p:sp>
+      <p:sp>
+        <p:nvSpPr>
+          <p:cNvPr id="3" name="Content Placeholder 2">
+            <a:extLst>
+              <a:ext uri="{FF2B5EF4-FFF2-40B4-BE49-F238E27FC236}">
+                <a16:creationId xmlns:a16="http://schemas.microsoft.com/office/drawing/2014/main" id="{8F4B151E-73AE-554B-A7DA-27B1C6C04BB7}"/>
+              </a:ext>
+            </a:extLst>
+          </p:cNvPr>
+          <p:cNvSpPr>
+            <a:spLocks noGrp="1"/>
+          </p:cNvSpPr>
+          <p:nvPr>
+            <p:ph idx="1"/>
+          </p:nvPr>
+        </p:nvSpPr>
+        <p:spPr/>
+        <p:txBody>
+          <a:bodyPr/>
+          <a:lstStyle/>
+          <a:p>
+            <a:r>
+              <a:rPr lang="en-US" dirty="0"/>
+              <a:t>Setting up Raspberry Pi</a:t>
+            </a:r>
+          </a:p>
+          <a:p>
+            <a:r>
+              <a:rPr lang="en-US" dirty="0"/>
+              <a:t>Web page part</a:t>
+            </a:r>
+          </a:p>
+          <a:p>
+            <a:r>
+              <a:rPr lang="en-US" dirty="0"/>
+              <a:t>Python programming part</a:t>
+            </a:r>
+          </a:p>
+          <a:p>
+            <a:r>
+              <a:rPr lang="en-US" dirty="0"/>
+              <a:t>NodeJS server part</a:t>
+            </a:r>
+          </a:p>
+          <a:p>
+            <a:r>
+              <a:rPr lang="en-US" dirty="0"/>
+              <a:t>Raspberry Pi connections</a:t>
+            </a:r>
+          </a:p>
+        </p:txBody>
+      </p:sp>
+    </p:spTree>
+    <p:extLst>
+      <p:ext uri="{BB962C8B-B14F-4D97-AF65-F5344CB8AC3E}">
+        <p14:creationId xmlns:p14="http://schemas.microsoft.com/office/powerpoint/2010/main" val="359542749"/>
+      </p:ext>
+    </p:extLst>
+  </p:cSld>
+  <p:clrMapOvr>
+    <a:masterClrMapping/>
+  </p:clrMapOvr>
+</p:sld>
+</file>
+
+<file path=ppt/slides/slide7.xml><?xml version="1.0" encoding="utf-8"?>
+<p:sld xmlns:a="http://schemas.openxmlformats.org/drawingml/2006/main" xmlns:r="http://schemas.openxmlformats.org/officeDocument/2006/relationships" xmlns:p="http://schemas.openxmlformats.org/presentationml/2006/main">
+  <p:cSld>
+    <p:spTree>
+      <p:nvGrpSpPr>
+        <p:cNvPr id="1" name=""/>
+        <p:cNvGrpSpPr/>
+        <p:nvPr/>
+      </p:nvGrpSpPr>
+      <p:grpSpPr>
+        <a:xfrm>
+          <a:off x="0" y="0"/>
+          <a:ext cx="0" cy="0"/>
+          <a:chOff x="0" y="0"/>
+          <a:chExt cx="0" cy="0"/>
+        </a:xfrm>
+      </p:grpSpPr>
+      <p:sp>
+        <p:nvSpPr>
+          <p:cNvPr id="2" name="Title 1">
+            <a:extLst>
+              <a:ext uri="{FF2B5EF4-FFF2-40B4-BE49-F238E27FC236}">
+                <a16:creationId xmlns:a16="http://schemas.microsoft.com/office/drawing/2014/main" id="{72C1D3E6-662D-1049-ABAD-CC8DE0EFE76A}"/>
+              </a:ext>
+            </a:extLst>
+          </p:cNvPr>
+          <p:cNvSpPr>
+            <a:spLocks noGrp="1"/>
+          </p:cNvSpPr>
+          <p:nvPr>
+            <p:ph type="title"/>
+          </p:nvPr>
+        </p:nvSpPr>
+        <p:spPr/>
+        <p:txBody>
+          <a:bodyPr/>
+          <a:lstStyle/>
+          <a:p>
+            <a:r>
+              <a:rPr lang="en-US" dirty="0"/>
+              <a:t>Setting up raspberry pi</a:t>
+            </a:r>
+          </a:p>
+        </p:txBody>
+      </p:sp>
+      <p:sp>
+        <p:nvSpPr>
+          <p:cNvPr id="3" name="Content Placeholder 2">
+            <a:extLst>
+              <a:ext uri="{FF2B5EF4-FFF2-40B4-BE49-F238E27FC236}">
+                <a16:creationId xmlns:a16="http://schemas.microsoft.com/office/drawing/2014/main" id="{2E738572-6BD2-D74A-BED9-56820C2B2A37}"/>
+              </a:ext>
+            </a:extLst>
+          </p:cNvPr>
+          <p:cNvSpPr>
+            <a:spLocks noGrp="1"/>
+          </p:cNvSpPr>
+          <p:nvPr>
+            <p:ph idx="1"/>
+          </p:nvPr>
+        </p:nvSpPr>
+        <p:spPr/>
+        <p:txBody>
+          <a:bodyPr/>
+          <a:lstStyle/>
+          <a:p>
+            <a:r>
+              <a:rPr lang="en-US" dirty="0">
+                <a:hlinkClick r:id="rId3"/>
+              </a:rPr>
+              <a:t>https://projects.raspberrypi.org/en/projects/raspberry-pi-setting-up</a:t>
+            </a:r>
+            <a:endParaRPr lang="en-US" dirty="0"/>
+          </a:p>
+          <a:p>
+            <a:endParaRPr lang="en-US" dirty="0"/>
+          </a:p>
+        </p:txBody>
+      </p:sp>
+    </p:spTree>
+    <p:extLst>
+      <p:ext uri="{BB962C8B-B14F-4D97-AF65-F5344CB8AC3E}">
+        <p14:creationId xmlns:p14="http://schemas.microsoft.com/office/powerpoint/2010/main" val="2171730276"/>
+      </p:ext>
+    </p:extLst>
+  </p:cSld>
+  <p:clrMapOvr>
+    <a:masterClrMapping/>
+  </p:clrMapOvr>
+</p:sld>
+</file>
+
+<file path=ppt/slides/slide8.xml><?xml version="1.0" encoding="utf-8"?>
+<p:sld xmlns:a="http://schemas.openxmlformats.org/drawingml/2006/main" xmlns:r="http://schemas.openxmlformats.org/officeDocument/2006/relationships" xmlns:p="http://schemas.openxmlformats.org/presentationml/2006/main">
+  <p:cSld>
+    <p:spTree>
+      <p:nvGrpSpPr>
+        <p:cNvPr id="1" name=""/>
+        <p:cNvGrpSpPr/>
+        <p:nvPr/>
+      </p:nvGrpSpPr>
+      <p:grpSpPr>
+        <a:xfrm>
+          <a:off x="0" y="0"/>
+          <a:ext cx="0" cy="0"/>
+          <a:chOff x="0" y="0"/>
+          <a:chExt cx="0" cy="0"/>
+        </a:xfrm>
+      </p:grpSpPr>
+      <p:sp>
+        <p:nvSpPr>
+          <p:cNvPr id="2" name="Title 1">
+            <a:extLst>
+              <a:ext uri="{FF2B5EF4-FFF2-40B4-BE49-F238E27FC236}">
+                <a16:creationId xmlns:a16="http://schemas.microsoft.com/office/drawing/2014/main" id="{5E5B303B-6928-7643-A25F-6CA4AB626ED5}"/>
+              </a:ext>
+            </a:extLst>
+          </p:cNvPr>
+          <p:cNvSpPr>
+            <a:spLocks noGrp="1"/>
+          </p:cNvSpPr>
+          <p:nvPr>
+            <p:ph type="title"/>
+          </p:nvPr>
+        </p:nvSpPr>
+        <p:spPr/>
+        <p:txBody>
+          <a:bodyPr/>
+          <a:lstStyle/>
+          <a:p>
+            <a:r>
               <a:rPr lang="en-US" dirty="0"/>
               <a:t>Web page</a:t>
             </a:r>
@@ -8448,51 +10958,31 @@
       </p:sp>
       <p:pic>
         <p:nvPicPr>
-          <p:cNvPr id="4098" name="Picture 2" descr="IoT cloud service adds Linux support via free BeagleBone BSP">
+          <p:cNvPr id="5" name="Content Placeholder 4" descr="A picture containing text&#10;&#10;Description automatically generated">
             <a:extLst>
               <a:ext uri="{FF2B5EF4-FFF2-40B4-BE49-F238E27FC236}">
-                <a16:creationId xmlns:a16="http://schemas.microsoft.com/office/drawing/2014/main" id="{586F4339-CAC2-8249-BB16-AC8C4F25C6A3}"/>
+                <a16:creationId xmlns:a16="http://schemas.microsoft.com/office/drawing/2014/main" id="{154843EF-8C61-1E4B-B508-4ADC7A15E46C}"/>
               </a:ext>
             </a:extLst>
           </p:cNvPr>
           <p:cNvPicPr>
-            <a:picLocks noGrp="1" noChangeAspect="1" noChangeArrowheads="1"/>
+            <a:picLocks noGrp="1" noChangeAspect="1"/>
           </p:cNvPicPr>
           <p:nvPr>
             <p:ph idx="1"/>
           </p:nvPr>
         </p:nvPicPr>
         <p:blipFill>
-          <a:blip r:embed="rId2">
-            <a:extLst>
-              <a:ext uri="{28A0092B-C50C-407E-A947-70E740481C1C}">
-                <a14:useLocalDpi xmlns:a14="http://schemas.microsoft.com/office/drawing/2010/main" val="0"/>
-              </a:ext>
-            </a:extLst>
-          </a:blip>
-          <a:srcRect/>
+          <a:blip r:embed="rId2"/>
           <a:stretch>
             <a:fillRect/>
           </a:stretch>
         </p:blipFill>
-        <p:spPr bwMode="auto">
+        <p:spPr>
           <a:xfrm>
-            <a:off x="2324100" y="2150269"/>
-            <a:ext cx="7543800" cy="3810000"/>
+            <a:off x="2497382" y="1928813"/>
+            <a:ext cx="7197235" cy="4252912"/>
           </a:xfrm>
-          <a:prstGeom prst="rect">
-            <a:avLst/>
-          </a:prstGeom>
-          <a:noFill/>
-          <a:extLst>
-            <a:ext uri="{909E8E84-426E-40DD-AFC4-6F175D3DCCD1}">
-              <a14:hiddenFill xmlns:a14="http://schemas.microsoft.com/office/drawing/2010/main">
-                <a:solidFill>
-                  <a:srgbClr val="FFFFFF"/>
-                </a:solidFill>
-              </a14:hiddenFill>
-            </a:ext>
-          </a:extLst>
         </p:spPr>
       </p:pic>
     </p:spTree>
@@ -8508,7 +10998,7 @@
 </p:sld>
 </file>
 
-<file path=ppt/slides/slide6.xml><?xml version="1.0" encoding="utf-8"?>
+<file path=ppt/slides/slide9.xml><?xml version="1.0" encoding="utf-8"?>
 <p:sld xmlns:a="http://schemas.openxmlformats.org/drawingml/2006/main" xmlns:r="http://schemas.openxmlformats.org/officeDocument/2006/relationships" xmlns:p="http://schemas.openxmlformats.org/presentationml/2006/main">
   <p:cSld>
     <p:bg>
@@ -9300,820 +11790,6 @@
     <p:extLst>
       <p:ext uri="{BB962C8B-B14F-4D97-AF65-F5344CB8AC3E}">
         <p14:creationId xmlns:p14="http://schemas.microsoft.com/office/powerpoint/2010/main" val="479705211"/>
-      </p:ext>
-    </p:extLst>
-  </p:cSld>
-  <p:clrMapOvr>
-    <a:masterClrMapping/>
-  </p:clrMapOvr>
-</p:sld>
-</file>
-
-<file path=ppt/slides/slide7.xml><?xml version="1.0" encoding="utf-8"?>
-<p:sld xmlns:a="http://schemas.openxmlformats.org/drawingml/2006/main" xmlns:r="http://schemas.openxmlformats.org/officeDocument/2006/relationships" xmlns:p="http://schemas.openxmlformats.org/presentationml/2006/main">
-  <p:cSld>
-    <p:spTree>
-      <p:nvGrpSpPr>
-        <p:cNvPr id="1" name=""/>
-        <p:cNvGrpSpPr/>
-        <p:nvPr/>
-      </p:nvGrpSpPr>
-      <p:grpSpPr>
-        <a:xfrm>
-          <a:off x="0" y="0"/>
-          <a:ext cx="0" cy="0"/>
-          <a:chOff x="0" y="0"/>
-          <a:chExt cx="0" cy="0"/>
-        </a:xfrm>
-      </p:grpSpPr>
-      <p:sp>
-        <p:nvSpPr>
-          <p:cNvPr id="2" name="Title 1">
-            <a:extLst>
-              <a:ext uri="{FF2B5EF4-FFF2-40B4-BE49-F238E27FC236}">
-                <a16:creationId xmlns:a16="http://schemas.microsoft.com/office/drawing/2014/main" id="{9A6579C4-C268-D64A-A96F-6BB6B05CD186}"/>
-              </a:ext>
-            </a:extLst>
-          </p:cNvPr>
-          <p:cNvSpPr>
-            <a:spLocks noGrp="1"/>
-          </p:cNvSpPr>
-          <p:nvPr>
-            <p:ph type="title"/>
-          </p:nvPr>
-        </p:nvSpPr>
-        <p:spPr/>
-        <p:txBody>
-          <a:bodyPr/>
-          <a:lstStyle/>
-          <a:p>
-            <a:r>
-              <a:rPr lang="en-US" dirty="0"/>
-              <a:t>Raspberry pi connections</a:t>
-            </a:r>
-          </a:p>
-        </p:txBody>
-      </p:sp>
-      <p:pic>
-        <p:nvPicPr>
-          <p:cNvPr id="6146" name="Picture 2" descr="How to properly connect a 4-pin cable to the IIC interface? - Raspberry Pi  Stack Exchange">
-            <a:extLst>
-              <a:ext uri="{FF2B5EF4-FFF2-40B4-BE49-F238E27FC236}">
-                <a16:creationId xmlns:a16="http://schemas.microsoft.com/office/drawing/2014/main" id="{7FAAE05A-16BF-354E-BBCE-E16B54113A02}"/>
-              </a:ext>
-            </a:extLst>
-          </p:cNvPr>
-          <p:cNvPicPr>
-            <a:picLocks noGrp="1" noChangeAspect="1" noChangeArrowheads="1"/>
-          </p:cNvPicPr>
-          <p:nvPr>
-            <p:ph idx="1"/>
-          </p:nvPr>
-        </p:nvPicPr>
-        <p:blipFill>
-          <a:blip r:embed="rId2">
-            <a:extLst>
-              <a:ext uri="{28A0092B-C50C-407E-A947-70E740481C1C}">
-                <a14:useLocalDpi xmlns:a14="http://schemas.microsoft.com/office/drawing/2010/main" val="0"/>
-              </a:ext>
-            </a:extLst>
-          </a:blip>
-          <a:srcRect/>
-          <a:stretch>
-            <a:fillRect/>
-          </a:stretch>
-        </p:blipFill>
-        <p:spPr bwMode="auto">
-          <a:xfrm>
-            <a:off x="3543300" y="2309019"/>
-            <a:ext cx="5105400" cy="3492500"/>
-          </a:xfrm>
-          <a:prstGeom prst="rect">
-            <a:avLst/>
-          </a:prstGeom>
-          <a:noFill/>
-          <a:extLst>
-            <a:ext uri="{909E8E84-426E-40DD-AFC4-6F175D3DCCD1}">
-              <a14:hiddenFill xmlns:a14="http://schemas.microsoft.com/office/drawing/2010/main">
-                <a:solidFill>
-                  <a:srgbClr val="FFFFFF"/>
-                </a:solidFill>
-              </a14:hiddenFill>
-            </a:ext>
-          </a:extLst>
-        </p:spPr>
-      </p:pic>
-    </p:spTree>
-    <p:extLst>
-      <p:ext uri="{BB962C8B-B14F-4D97-AF65-F5344CB8AC3E}">
-        <p14:creationId xmlns:p14="http://schemas.microsoft.com/office/powerpoint/2010/main" val="2206249492"/>
-      </p:ext>
-    </p:extLst>
-  </p:cSld>
-  <p:clrMapOvr>
-    <a:masterClrMapping/>
-  </p:clrMapOvr>
-</p:sld>
-</file>
-
-<file path=ppt/slides/slide8.xml><?xml version="1.0" encoding="utf-8"?>
-<p:sld xmlns:a="http://schemas.openxmlformats.org/drawingml/2006/main" xmlns:r="http://schemas.openxmlformats.org/officeDocument/2006/relationships" xmlns:p="http://schemas.openxmlformats.org/presentationml/2006/main">
-  <p:cSld>
-    <p:bg>
-      <p:bgPr>
-        <a:solidFill>
-          <a:schemeClr val="bg1"/>
-        </a:solidFill>
-        <a:effectLst/>
-      </p:bgPr>
-    </p:bg>
-    <p:spTree>
-      <p:nvGrpSpPr>
-        <p:cNvPr id="1" name=""/>
-        <p:cNvGrpSpPr/>
-        <p:nvPr/>
-      </p:nvGrpSpPr>
-      <p:grpSpPr>
-        <a:xfrm>
-          <a:off x="0" y="0"/>
-          <a:ext cx="0" cy="0"/>
-          <a:chOff x="0" y="0"/>
-          <a:chExt cx="0" cy="0"/>
-        </a:xfrm>
-      </p:grpSpPr>
-      <p:sp useBgFill="1">
-        <p:nvSpPr>
-          <p:cNvPr id="12" name="Rectangle 11">
-            <a:extLst>
-              <a:ext uri="{FF2B5EF4-FFF2-40B4-BE49-F238E27FC236}">
-                <a16:creationId xmlns:a16="http://schemas.microsoft.com/office/drawing/2014/main" id="{F13C74B1-5B17-4795-BED0-7140497B445A}"/>
-              </a:ext>
-              <a:ext uri="{C183D7F6-B498-43B3-948B-1728B52AA6E4}">
-                <adec:decorative xmlns:adec="http://schemas.microsoft.com/office/drawing/2017/decorative" val="1"/>
-              </a:ext>
-            </a:extLst>
-          </p:cNvPr>
-          <p:cNvSpPr>
-            <a:spLocks noGrp="1" noRot="1" noChangeAspect="1" noMove="1" noResize="1" noEditPoints="1" noAdjustHandles="1" noChangeArrowheads="1" noChangeShapeType="1" noTextEdit="1"/>
-          </p:cNvSpPr>
-          <p:nvPr>
-            <p:extLst>
-              <p:ext uri="{386F3935-93C4-4BCD-93E2-E3B085C9AB24}">
-                <p16:designElem xmlns:p16="http://schemas.microsoft.com/office/powerpoint/2015/main" val="1"/>
-              </p:ext>
-            </p:extLst>
-          </p:nvPr>
-        </p:nvSpPr>
-        <p:spPr>
-          <a:xfrm>
-            <a:off x="0" y="0"/>
-            <a:ext cx="12188952" cy="6858000"/>
-          </a:xfrm>
-          <a:prstGeom prst="rect">
-            <a:avLst/>
-          </a:prstGeom>
-          <a:ln>
-            <a:noFill/>
-          </a:ln>
-        </p:spPr>
-        <p:style>
-          <a:lnRef idx="2">
-            <a:schemeClr val="accent1">
-              <a:shade val="50000"/>
-            </a:schemeClr>
-          </a:lnRef>
-          <a:fillRef idx="1">
-            <a:schemeClr val="accent1"/>
-          </a:fillRef>
-          <a:effectRef idx="0">
-            <a:schemeClr val="accent1"/>
-          </a:effectRef>
-          <a:fontRef idx="minor">
-            <a:schemeClr val="lt1"/>
-          </a:fontRef>
-        </p:style>
-        <p:txBody>
-          <a:bodyPr rtlCol="0" anchor="ctr"/>
-          <a:lstStyle/>
-          <a:p>
-            <a:pPr algn="ctr"/>
-            <a:endParaRPr lang="en-US"/>
-          </a:p>
-        </p:txBody>
-      </p:sp>
-      <p:sp>
-        <p:nvSpPr>
-          <p:cNvPr id="2" name="Title 1">
-            <a:extLst>
-              <a:ext uri="{FF2B5EF4-FFF2-40B4-BE49-F238E27FC236}">
-                <a16:creationId xmlns:a16="http://schemas.microsoft.com/office/drawing/2014/main" id="{627048F8-86D5-C245-96EB-B7EE840A5362}"/>
-              </a:ext>
-            </a:extLst>
-          </p:cNvPr>
-          <p:cNvSpPr>
-            <a:spLocks noGrp="1"/>
-          </p:cNvSpPr>
-          <p:nvPr>
-            <p:ph type="title"/>
-          </p:nvPr>
-        </p:nvSpPr>
-        <p:spPr>
-          <a:xfrm>
-            <a:off x="640080" y="325369"/>
-            <a:ext cx="4368602" cy="1956841"/>
-          </a:xfrm>
-        </p:spPr>
-        <p:txBody>
-          <a:bodyPr anchor="b">
-            <a:normAutofit/>
-          </a:bodyPr>
-          <a:lstStyle/>
-          <a:p>
-            <a:pPr>
-              <a:lnSpc>
-                <a:spcPct val="90000"/>
-              </a:lnSpc>
-            </a:pPr>
-            <a:r>
-              <a:rPr lang="en-US" sz="6600"/>
-              <a:t>Other project ideas</a:t>
-            </a:r>
-          </a:p>
-        </p:txBody>
-      </p:sp>
-      <p:sp>
-        <p:nvSpPr>
-          <p:cNvPr id="14" name="Rectangle 6">
-            <a:extLst>
-              <a:ext uri="{FF2B5EF4-FFF2-40B4-BE49-F238E27FC236}">
-                <a16:creationId xmlns:a16="http://schemas.microsoft.com/office/drawing/2014/main" id="{3FCFB1DE-0B7E-48CC-BA90-B2AB0889F9D6}"/>
-              </a:ext>
-              <a:ext uri="{C183D7F6-B498-43B3-948B-1728B52AA6E4}">
-                <adec:decorative xmlns:adec="http://schemas.microsoft.com/office/drawing/2017/decorative" val="1"/>
-              </a:ext>
-            </a:extLst>
-          </p:cNvPr>
-          <p:cNvSpPr>
-            <a:spLocks noGrp="1" noRot="1" noChangeAspect="1" noMove="1" noResize="1" noEditPoints="1" noAdjustHandles="1" noChangeArrowheads="1" noChangeShapeType="1" noTextEdit="1"/>
-          </p:cNvSpPr>
-          <p:nvPr>
-            <p:extLst>
-              <p:ext uri="{386F3935-93C4-4BCD-93E2-E3B085C9AB24}">
-                <p16:designElem xmlns:p16="http://schemas.microsoft.com/office/powerpoint/2015/main" val="1"/>
-              </p:ext>
-            </p:extLst>
-          </p:nvPr>
-        </p:nvSpPr>
-        <p:spPr>
-          <a:xfrm>
-            <a:off x="765093" y="2563839"/>
-            <a:ext cx="3931920" cy="27432"/>
-          </a:xfrm>
-          <a:custGeom>
-            <a:avLst/>
-            <a:gdLst>
-              <a:gd name="connsiteX0" fmla="*/ 0 w 3931920"/>
-              <a:gd name="connsiteY0" fmla="*/ 0 h 27432"/>
-              <a:gd name="connsiteX1" fmla="*/ 733958 w 3931920"/>
-              <a:gd name="connsiteY1" fmla="*/ 0 h 27432"/>
-              <a:gd name="connsiteX2" fmla="*/ 1428598 w 3931920"/>
-              <a:gd name="connsiteY2" fmla="*/ 0 h 27432"/>
-              <a:gd name="connsiteX3" fmla="*/ 2123237 w 3931920"/>
-              <a:gd name="connsiteY3" fmla="*/ 0 h 27432"/>
-              <a:gd name="connsiteX4" fmla="*/ 2660599 w 3931920"/>
-              <a:gd name="connsiteY4" fmla="*/ 0 h 27432"/>
-              <a:gd name="connsiteX5" fmla="*/ 3237281 w 3931920"/>
-              <a:gd name="connsiteY5" fmla="*/ 0 h 27432"/>
-              <a:gd name="connsiteX6" fmla="*/ 3931920 w 3931920"/>
-              <a:gd name="connsiteY6" fmla="*/ 0 h 27432"/>
-              <a:gd name="connsiteX7" fmla="*/ 3931920 w 3931920"/>
-              <a:gd name="connsiteY7" fmla="*/ 27432 h 27432"/>
-              <a:gd name="connsiteX8" fmla="*/ 3276600 w 3931920"/>
-              <a:gd name="connsiteY8" fmla="*/ 27432 h 27432"/>
-              <a:gd name="connsiteX9" fmla="*/ 2739238 w 3931920"/>
-              <a:gd name="connsiteY9" fmla="*/ 27432 h 27432"/>
-              <a:gd name="connsiteX10" fmla="*/ 2201875 w 3931920"/>
-              <a:gd name="connsiteY10" fmla="*/ 27432 h 27432"/>
-              <a:gd name="connsiteX11" fmla="*/ 1507236 w 3931920"/>
-              <a:gd name="connsiteY11" fmla="*/ 27432 h 27432"/>
-              <a:gd name="connsiteX12" fmla="*/ 930554 w 3931920"/>
-              <a:gd name="connsiteY12" fmla="*/ 27432 h 27432"/>
-              <a:gd name="connsiteX13" fmla="*/ 0 w 3931920"/>
-              <a:gd name="connsiteY13" fmla="*/ 27432 h 27432"/>
-              <a:gd name="connsiteX14" fmla="*/ 0 w 3931920"/>
-              <a:gd name="connsiteY14" fmla="*/ 0 h 27432"/>
-            </a:gdLst>
-            <a:ahLst/>
-            <a:cxnLst>
-              <a:cxn ang="0">
-                <a:pos x="connsiteX0" y="connsiteY0"/>
-              </a:cxn>
-              <a:cxn ang="0">
-                <a:pos x="connsiteX1" y="connsiteY1"/>
-              </a:cxn>
-              <a:cxn ang="0">
-                <a:pos x="connsiteX2" y="connsiteY2"/>
-              </a:cxn>
-              <a:cxn ang="0">
-                <a:pos x="connsiteX3" y="connsiteY3"/>
-              </a:cxn>
-              <a:cxn ang="0">
-                <a:pos x="connsiteX4" y="connsiteY4"/>
-              </a:cxn>
-              <a:cxn ang="0">
-                <a:pos x="connsiteX5" y="connsiteY5"/>
-              </a:cxn>
-              <a:cxn ang="0">
-                <a:pos x="connsiteX6" y="connsiteY6"/>
-              </a:cxn>
-              <a:cxn ang="0">
-                <a:pos x="connsiteX7" y="connsiteY7"/>
-              </a:cxn>
-              <a:cxn ang="0">
-                <a:pos x="connsiteX8" y="connsiteY8"/>
-              </a:cxn>
-              <a:cxn ang="0">
-                <a:pos x="connsiteX9" y="connsiteY9"/>
-              </a:cxn>
-              <a:cxn ang="0">
-                <a:pos x="connsiteX10" y="connsiteY10"/>
-              </a:cxn>
-              <a:cxn ang="0">
-                <a:pos x="connsiteX11" y="connsiteY11"/>
-              </a:cxn>
-              <a:cxn ang="0">
-                <a:pos x="connsiteX12" y="connsiteY12"/>
-              </a:cxn>
-              <a:cxn ang="0">
-                <a:pos x="connsiteX13" y="connsiteY13"/>
-              </a:cxn>
-              <a:cxn ang="0">
-                <a:pos x="connsiteX14" y="connsiteY14"/>
-              </a:cxn>
-            </a:cxnLst>
-            <a:rect l="l" t="t" r="r" b="b"/>
-            <a:pathLst>
-              <a:path w="3931920" h="27432" fill="none" extrusionOk="0">
-                <a:moveTo>
-                  <a:pt x="0" y="0"/>
-                </a:moveTo>
-                <a:cubicBezTo>
-                  <a:pt x="245351" y="16874"/>
-                  <a:pt x="509174" y="13736"/>
-                  <a:pt x="733958" y="0"/>
-                </a:cubicBezTo>
-                <a:cubicBezTo>
-                  <a:pt x="958742" y="-13736"/>
-                  <a:pt x="1245406" y="-17215"/>
-                  <a:pt x="1428598" y="0"/>
-                </a:cubicBezTo>
-                <a:cubicBezTo>
-                  <a:pt x="1611790" y="17215"/>
-                  <a:pt x="1930525" y="20562"/>
-                  <a:pt x="2123237" y="0"/>
-                </a:cubicBezTo>
-                <a:cubicBezTo>
-                  <a:pt x="2315949" y="-20562"/>
-                  <a:pt x="2485508" y="11332"/>
-                  <a:pt x="2660599" y="0"/>
-                </a:cubicBezTo>
-                <a:cubicBezTo>
-                  <a:pt x="2835690" y="-11332"/>
-                  <a:pt x="3075198" y="-14809"/>
-                  <a:pt x="3237281" y="0"/>
-                </a:cubicBezTo>
-                <a:cubicBezTo>
-                  <a:pt x="3399364" y="14809"/>
-                  <a:pt x="3745084" y="-4992"/>
-                  <a:pt x="3931920" y="0"/>
-                </a:cubicBezTo>
-                <a:cubicBezTo>
-                  <a:pt x="3930963" y="8431"/>
-                  <a:pt x="3931571" y="14612"/>
-                  <a:pt x="3931920" y="27432"/>
-                </a:cubicBezTo>
-                <a:cubicBezTo>
-                  <a:pt x="3765435" y="40792"/>
-                  <a:pt x="3452398" y="38703"/>
-                  <a:pt x="3276600" y="27432"/>
-                </a:cubicBezTo>
-                <a:cubicBezTo>
-                  <a:pt x="3100802" y="16161"/>
-                  <a:pt x="2914889" y="26998"/>
-                  <a:pt x="2739238" y="27432"/>
-                </a:cubicBezTo>
-                <a:cubicBezTo>
-                  <a:pt x="2563587" y="27866"/>
-                  <a:pt x="2395484" y="39154"/>
-                  <a:pt x="2201875" y="27432"/>
-                </a:cubicBezTo>
-                <a:cubicBezTo>
-                  <a:pt x="2008266" y="15710"/>
-                  <a:pt x="1781367" y="4899"/>
-                  <a:pt x="1507236" y="27432"/>
-                </a:cubicBezTo>
-                <a:cubicBezTo>
-                  <a:pt x="1233105" y="49965"/>
-                  <a:pt x="1075495" y="47542"/>
-                  <a:pt x="930554" y="27432"/>
-                </a:cubicBezTo>
-                <a:cubicBezTo>
-                  <a:pt x="785613" y="7322"/>
-                  <a:pt x="268930" y="30433"/>
-                  <a:pt x="0" y="27432"/>
-                </a:cubicBezTo>
-                <a:cubicBezTo>
-                  <a:pt x="226" y="18208"/>
-                  <a:pt x="-648" y="12891"/>
-                  <a:pt x="0" y="0"/>
-                </a:cubicBezTo>
-                <a:close/>
-              </a:path>
-              <a:path w="3931920" h="27432" stroke="0" extrusionOk="0">
-                <a:moveTo>
-                  <a:pt x="0" y="0"/>
-                </a:moveTo>
-                <a:cubicBezTo>
-                  <a:pt x="278269" y="4786"/>
-                  <a:pt x="349028" y="-10422"/>
-                  <a:pt x="616001" y="0"/>
-                </a:cubicBezTo>
-                <a:cubicBezTo>
-                  <a:pt x="882974" y="10422"/>
-                  <a:pt x="931617" y="-15515"/>
-                  <a:pt x="1153363" y="0"/>
-                </a:cubicBezTo>
-                <a:cubicBezTo>
-                  <a:pt x="1375109" y="15515"/>
-                  <a:pt x="1704089" y="-3631"/>
-                  <a:pt x="1887322" y="0"/>
-                </a:cubicBezTo>
-                <a:cubicBezTo>
-                  <a:pt x="2070555" y="3631"/>
-                  <a:pt x="2344155" y="2213"/>
-                  <a:pt x="2503322" y="0"/>
-                </a:cubicBezTo>
-                <a:cubicBezTo>
-                  <a:pt x="2662489" y="-2213"/>
-                  <a:pt x="2976859" y="26691"/>
-                  <a:pt x="3119323" y="0"/>
-                </a:cubicBezTo>
-                <a:cubicBezTo>
-                  <a:pt x="3261787" y="-26691"/>
-                  <a:pt x="3588171" y="-28651"/>
-                  <a:pt x="3931920" y="0"/>
-                </a:cubicBezTo>
-                <a:cubicBezTo>
-                  <a:pt x="3930565" y="9524"/>
-                  <a:pt x="3930718" y="13975"/>
-                  <a:pt x="3931920" y="27432"/>
-                </a:cubicBezTo>
-                <a:cubicBezTo>
-                  <a:pt x="3664329" y="4021"/>
-                  <a:pt x="3437686" y="14511"/>
-                  <a:pt x="3276600" y="27432"/>
-                </a:cubicBezTo>
-                <a:cubicBezTo>
-                  <a:pt x="3115514" y="40353"/>
-                  <a:pt x="2913592" y="48967"/>
-                  <a:pt x="2739238" y="27432"/>
-                </a:cubicBezTo>
-                <a:cubicBezTo>
-                  <a:pt x="2564884" y="5897"/>
-                  <a:pt x="2294049" y="39820"/>
-                  <a:pt x="2083918" y="27432"/>
-                </a:cubicBezTo>
-                <a:cubicBezTo>
-                  <a:pt x="1873787" y="15044"/>
-                  <a:pt x="1718903" y="21388"/>
-                  <a:pt x="1428598" y="27432"/>
-                </a:cubicBezTo>
-                <a:cubicBezTo>
-                  <a:pt x="1138293" y="33476"/>
-                  <a:pt x="952209" y="50441"/>
-                  <a:pt x="812597" y="27432"/>
-                </a:cubicBezTo>
-                <a:cubicBezTo>
-                  <a:pt x="672985" y="4423"/>
-                  <a:pt x="305800" y="28240"/>
-                  <a:pt x="0" y="27432"/>
-                </a:cubicBezTo>
-                <a:cubicBezTo>
-                  <a:pt x="-800" y="16780"/>
-                  <a:pt x="-583" y="12910"/>
-                  <a:pt x="0" y="0"/>
-                </a:cubicBezTo>
-                <a:close/>
-              </a:path>
-            </a:pathLst>
-          </a:custGeom>
-          <a:solidFill>
-            <a:srgbClr val="DD3397"/>
-          </a:solidFill>
-          <a:ln w="38100" cap="rnd">
-            <a:solidFill>
-              <a:srgbClr val="DD3397"/>
-            </a:solidFill>
-            <a:round/>
-            <a:extLst>
-              <a:ext uri="{C807C97D-BFC1-408E-A445-0C87EB9F89A2}">
-                <ask:lineSketchStyleProps xmlns:ask="http://schemas.microsoft.com/office/drawing/2018/sketchyshapes" sd="1219033472">
-                  <a:prstGeom prst="rect">
-                    <a:avLst/>
-                  </a:prstGeom>
-                  <ask:type>
-                    <ask:lineSketchFreehand/>
-                  </ask:type>
-                </ask:lineSketchStyleProps>
-              </a:ext>
-            </a:extLst>
-          </a:ln>
-        </p:spPr>
-        <p:style>
-          <a:lnRef idx="2">
-            <a:schemeClr val="accent1">
-              <a:shade val="50000"/>
-            </a:schemeClr>
-          </a:lnRef>
-          <a:fillRef idx="1">
-            <a:schemeClr val="accent1"/>
-          </a:fillRef>
-          <a:effectRef idx="0">
-            <a:schemeClr val="accent1"/>
-          </a:effectRef>
-          <a:fontRef idx="minor">
-            <a:schemeClr val="lt1"/>
-          </a:fontRef>
-        </p:style>
-        <p:txBody>
-          <a:bodyPr rtlCol="0" anchor="ctr"/>
-          <a:lstStyle/>
-          <a:p>
-            <a:pPr algn="ctr"/>
-            <a:endParaRPr lang="en-US"/>
-          </a:p>
-        </p:txBody>
-      </p:sp>
-      <p:sp>
-        <p:nvSpPr>
-          <p:cNvPr id="9" name="Content Placeholder 8">
-            <a:extLst>
-              <a:ext uri="{FF2B5EF4-FFF2-40B4-BE49-F238E27FC236}">
-                <a16:creationId xmlns:a16="http://schemas.microsoft.com/office/drawing/2014/main" id="{039840A2-C2FF-41F1-8A7C-B791C49C3062}"/>
-              </a:ext>
-            </a:extLst>
-          </p:cNvPr>
-          <p:cNvSpPr>
-            <a:spLocks noGrp="1"/>
-          </p:cNvSpPr>
-          <p:nvPr>
-            <p:ph idx="1"/>
-          </p:nvPr>
-        </p:nvSpPr>
-        <p:spPr>
-          <a:xfrm>
-            <a:off x="640080" y="2872899"/>
-            <a:ext cx="4243589" cy="3320668"/>
-          </a:xfrm>
-        </p:spPr>
-        <p:txBody>
-          <a:bodyPr>
-            <a:normAutofit/>
-          </a:bodyPr>
-          <a:lstStyle/>
-          <a:p>
-            <a:endParaRPr lang="en-US" dirty="0"/>
-          </a:p>
-        </p:txBody>
-      </p:sp>
-      <p:pic>
-        <p:nvPicPr>
-          <p:cNvPr id="5" name="Content Placeholder 4" descr="Empty speech bubbles">
-            <a:extLst>
-              <a:ext uri="{FF2B5EF4-FFF2-40B4-BE49-F238E27FC236}">
-                <a16:creationId xmlns:a16="http://schemas.microsoft.com/office/drawing/2014/main" id="{AB93C79B-3727-094C-BE9F-1A8F4A40AE44}"/>
-              </a:ext>
-            </a:extLst>
-          </p:cNvPr>
-          <p:cNvPicPr>
-            <a:picLocks noChangeAspect="1"/>
-          </p:cNvPicPr>
-          <p:nvPr/>
-        </p:nvPicPr>
-        <p:blipFill rotWithShape="1">
-          <a:blip r:embed="rId2"/>
-          <a:srcRect l="20748" r="12298" b="-1"/>
-          <a:stretch/>
-        </p:blipFill>
-        <p:spPr>
-          <a:xfrm>
-            <a:off x="5311702" y="10"/>
-            <a:ext cx="6878775" cy="6857990"/>
-          </a:xfrm>
-          <a:custGeom>
-            <a:avLst/>
-            <a:gdLst/>
-            <a:ahLst/>
-            <a:cxnLst/>
-            <a:rect l="l" t="t" r="r" b="b"/>
-            <a:pathLst>
-              <a:path w="6878775" h="6858000">
-                <a:moveTo>
-                  <a:pt x="1102973" y="0"/>
-                </a:moveTo>
-                <a:lnTo>
-                  <a:pt x="1160688" y="0"/>
-                </a:lnTo>
-                <a:lnTo>
-                  <a:pt x="983189" y="331786"/>
-                </a:lnTo>
-                <a:cubicBezTo>
-                  <a:pt x="914866" y="469145"/>
-                  <a:pt x="850355" y="608712"/>
-                  <a:pt x="789261" y="750263"/>
-                </a:cubicBezTo>
-                <a:cubicBezTo>
-                  <a:pt x="774307" y="784928"/>
-                  <a:pt x="759992" y="819849"/>
-                  <a:pt x="745295" y="854514"/>
-                </a:cubicBezTo>
-                <a:cubicBezTo>
-                  <a:pt x="756682" y="845393"/>
-                  <a:pt x="765489" y="833492"/>
-                  <a:pt x="770857" y="819975"/>
-                </a:cubicBezTo>
-                <a:cubicBezTo>
-                  <a:pt x="879943" y="589569"/>
-                  <a:pt x="999605" y="365513"/>
-                  <a:pt x="1131329" y="148742"/>
-                </a:cubicBezTo>
-                <a:lnTo>
-                  <a:pt x="1227589" y="0"/>
-                </a:lnTo>
-                <a:lnTo>
-                  <a:pt x="6878775" y="0"/>
-                </a:lnTo>
-                <a:lnTo>
-                  <a:pt x="6878775" y="6858000"/>
-                </a:lnTo>
-                <a:lnTo>
-                  <a:pt x="713521" y="6858000"/>
-                </a:lnTo>
-                <a:lnTo>
-                  <a:pt x="625642" y="6670527"/>
-                </a:lnTo>
-                <a:cubicBezTo>
-                  <a:pt x="507232" y="6398531"/>
-                  <a:pt x="403083" y="6118381"/>
-                  <a:pt x="312785" y="5830359"/>
-                </a:cubicBezTo>
-                <a:cubicBezTo>
-                  <a:pt x="278149" y="5719759"/>
-                  <a:pt x="248879" y="5607635"/>
-                  <a:pt x="212198" y="5480401"/>
-                </a:cubicBezTo>
-                <a:cubicBezTo>
-                  <a:pt x="212208" y="5491601"/>
-                  <a:pt x="212803" y="5502788"/>
-                  <a:pt x="213988" y="5513923"/>
-                </a:cubicBezTo>
-                <a:cubicBezTo>
-                  <a:pt x="264089" y="5723695"/>
-                  <a:pt x="307290" y="5935370"/>
-                  <a:pt x="365826" y="6142729"/>
-                </a:cubicBezTo>
-                <a:cubicBezTo>
-                  <a:pt x="433152" y="6380817"/>
-                  <a:pt x="510068" y="6614016"/>
-                  <a:pt x="597975" y="6841549"/>
-                </a:cubicBezTo>
-                <a:lnTo>
-                  <a:pt x="604824" y="6858000"/>
-                </a:lnTo>
-                <a:lnTo>
-                  <a:pt x="552056" y="6858000"/>
-                </a:lnTo>
-                <a:lnTo>
-                  <a:pt x="539576" y="6828295"/>
-                </a:lnTo>
-                <a:cubicBezTo>
-                  <a:pt x="380597" y="6414594"/>
-                  <a:pt x="260223" y="5988893"/>
-                  <a:pt x="171555" y="5552906"/>
-                </a:cubicBezTo>
-                <a:cubicBezTo>
-                  <a:pt x="91163" y="5157998"/>
-                  <a:pt x="43746" y="4758899"/>
-                  <a:pt x="12305" y="4357388"/>
-                </a:cubicBezTo>
-                <a:cubicBezTo>
-                  <a:pt x="-14281" y="4013908"/>
-                  <a:pt x="4507" y="3672965"/>
-                  <a:pt x="46684" y="3331516"/>
-                </a:cubicBezTo>
-                <a:cubicBezTo>
-                  <a:pt x="127203" y="2664286"/>
-                  <a:pt x="277819" y="2007265"/>
-                  <a:pt x="496065" y="1371196"/>
-                </a:cubicBezTo>
-                <a:cubicBezTo>
-                  <a:pt x="636273" y="966066"/>
-                  <a:pt x="800445" y="573253"/>
-                  <a:pt x="995723" y="196614"/>
-                </a:cubicBezTo>
-                <a:close/>
-              </a:path>
-            </a:pathLst>
-          </a:custGeom>
-        </p:spPr>
-      </p:pic>
-    </p:spTree>
-    <p:extLst>
-      <p:ext uri="{BB962C8B-B14F-4D97-AF65-F5344CB8AC3E}">
-        <p14:creationId xmlns:p14="http://schemas.microsoft.com/office/powerpoint/2010/main" val="3949367318"/>
-      </p:ext>
-    </p:extLst>
-  </p:cSld>
-  <p:clrMapOvr>
-    <a:masterClrMapping/>
-  </p:clrMapOvr>
-</p:sld>
-</file>
-
-<file path=ppt/slides/slide9.xml><?xml version="1.0" encoding="utf-8"?>
-<p:sld xmlns:a="http://schemas.openxmlformats.org/drawingml/2006/main" xmlns:r="http://schemas.openxmlformats.org/officeDocument/2006/relationships" xmlns:p="http://schemas.openxmlformats.org/presentationml/2006/main">
-  <p:cSld>
-    <p:spTree>
-      <p:nvGrpSpPr>
-        <p:cNvPr id="1" name=""/>
-        <p:cNvGrpSpPr/>
-        <p:nvPr/>
-      </p:nvGrpSpPr>
-      <p:grpSpPr>
-        <a:xfrm>
-          <a:off x="0" y="0"/>
-          <a:ext cx="0" cy="0"/>
-          <a:chOff x="0" y="0"/>
-          <a:chExt cx="0" cy="0"/>
-        </a:xfrm>
-      </p:grpSpPr>
-      <p:sp>
-        <p:nvSpPr>
-          <p:cNvPr id="2" name="Title 1">
-            <a:extLst>
-              <a:ext uri="{FF2B5EF4-FFF2-40B4-BE49-F238E27FC236}">
-                <a16:creationId xmlns:a16="http://schemas.microsoft.com/office/drawing/2014/main" id="{F7977371-885F-184A-9D8A-6A6100C4ABF5}"/>
-              </a:ext>
-            </a:extLst>
-          </p:cNvPr>
-          <p:cNvSpPr>
-            <a:spLocks noGrp="1"/>
-          </p:cNvSpPr>
-          <p:nvPr>
-            <p:ph type="title"/>
-          </p:nvPr>
-        </p:nvSpPr>
-        <p:spPr/>
-        <p:txBody>
-          <a:bodyPr/>
-          <a:lstStyle/>
-          <a:p>
-            <a:r>
-              <a:rPr lang="en-US" dirty="0"/>
-              <a:t>Thank you</a:t>
-            </a:r>
-          </a:p>
-        </p:txBody>
-      </p:sp>
-      <p:sp>
-        <p:nvSpPr>
-          <p:cNvPr id="3" name="Content Placeholder 2">
-            <a:extLst>
-              <a:ext uri="{FF2B5EF4-FFF2-40B4-BE49-F238E27FC236}">
-                <a16:creationId xmlns:a16="http://schemas.microsoft.com/office/drawing/2014/main" id="{FE5FAE8C-7DC5-1249-99C6-EC4024E5B198}"/>
-              </a:ext>
-            </a:extLst>
-          </p:cNvPr>
-          <p:cNvSpPr>
-            <a:spLocks noGrp="1"/>
-          </p:cNvSpPr>
-          <p:nvPr>
-            <p:ph idx="1"/>
-          </p:nvPr>
-        </p:nvSpPr>
-        <p:spPr/>
-        <p:txBody>
-          <a:bodyPr/>
-          <a:lstStyle/>
-          <a:p>
-            <a:endParaRPr lang="en-US" dirty="0"/>
-          </a:p>
-        </p:txBody>
-      </p:sp>
-    </p:spTree>
-    <p:extLst>
-      <p:ext uri="{BB962C8B-B14F-4D97-AF65-F5344CB8AC3E}">
-        <p14:creationId xmlns:p14="http://schemas.microsoft.com/office/powerpoint/2010/main" val="3493855073"/>
       </p:ext>
     </p:extLst>
   </p:cSld>
@@ -10322,4 +11998,299 @@
     </a:ext>
   </a:extLst>
 </a:theme>
+</file>
+
+<file path=ppt/theme/theme2.xml><?xml version="1.0" encoding="utf-8"?>
+<a:theme xmlns:a="http://schemas.openxmlformats.org/drawingml/2006/main" name="Office Theme">
+  <a:themeElements>
+    <a:clrScheme name="Office">
+      <a:dk1>
+        <a:sysClr val="windowText" lastClr="000000"/>
+      </a:dk1>
+      <a:lt1>
+        <a:sysClr val="window" lastClr="FFFFFF"/>
+      </a:lt1>
+      <a:dk2>
+        <a:srgbClr val="44546A"/>
+      </a:dk2>
+      <a:lt2>
+        <a:srgbClr val="E7E6E6"/>
+      </a:lt2>
+      <a:accent1>
+        <a:srgbClr val="4472C4"/>
+      </a:accent1>
+      <a:accent2>
+        <a:srgbClr val="ED7D31"/>
+      </a:accent2>
+      <a:accent3>
+        <a:srgbClr val="A5A5A5"/>
+      </a:accent3>
+      <a:accent4>
+        <a:srgbClr val="FFC000"/>
+      </a:accent4>
+      <a:accent5>
+        <a:srgbClr val="5B9BD5"/>
+      </a:accent5>
+      <a:accent6>
+        <a:srgbClr val="70AD47"/>
+      </a:accent6>
+      <a:hlink>
+        <a:srgbClr val="0563C1"/>
+      </a:hlink>
+      <a:folHlink>
+        <a:srgbClr val="954F72"/>
+      </a:folHlink>
+    </a:clrScheme>
+    <a:fontScheme name="Office">
+      <a:majorFont>
+        <a:latin typeface="Calibri Light" panose="020F0302020204030204"/>
+        <a:ea typeface=""/>
+        <a:cs typeface=""/>
+        <a:font script="Jpan" typeface="游ゴシック Light"/>
+        <a:font script="Hang" typeface="맑은 고딕"/>
+        <a:font script="Hans" typeface="等线 Light"/>
+        <a:font script="Hant" typeface="新細明體"/>
+        <a:font script="Arab" typeface="Times New Roman"/>
+        <a:font script="Hebr" typeface="Times New Roman"/>
+        <a:font script="Thai" typeface="Angsana New"/>
+        <a:font script="Ethi" typeface="Nyala"/>
+        <a:font script="Beng" typeface="Vrinda"/>
+        <a:font script="Gujr" typeface="Shruti"/>
+        <a:font script="Khmr" typeface="MoolBoran"/>
+        <a:font script="Knda" typeface="Tunga"/>
+        <a:font script="Guru" typeface="Raavi"/>
+        <a:font script="Cans" typeface="Euphemia"/>
+        <a:font script="Cher" typeface="Plantagenet Cherokee"/>
+        <a:font script="Yiii" typeface="Microsoft Yi Baiti"/>
+        <a:font script="Tibt" typeface="Microsoft Himalaya"/>
+        <a:font script="Thaa" typeface="MV Boli"/>
+        <a:font script="Deva" typeface="Mangal"/>
+        <a:font script="Telu" typeface="Gautami"/>
+        <a:font script="Taml" typeface="Latha"/>
+        <a:font script="Syrc" typeface="Estrangelo Edessa"/>
+        <a:font script="Orya" typeface="Kalinga"/>
+        <a:font script="Mlym" typeface="Kartika"/>
+        <a:font script="Laoo" typeface="DokChampa"/>
+        <a:font script="Sinh" typeface="Iskoola Pota"/>
+        <a:font script="Mong" typeface="Mongolian Baiti"/>
+        <a:font script="Viet" typeface="Times New Roman"/>
+        <a:font script="Uigh" typeface="Microsoft Uighur"/>
+        <a:font script="Geor" typeface="Sylfaen"/>
+        <a:font script="Armn" typeface="Arial"/>
+        <a:font script="Bugi" typeface="Leelawadee UI"/>
+        <a:font script="Bopo" typeface="Microsoft JhengHei"/>
+        <a:font script="Java" typeface="Javanese Text"/>
+        <a:font script="Lisu" typeface="Segoe UI"/>
+        <a:font script="Mymr" typeface="Myanmar Text"/>
+        <a:font script="Nkoo" typeface="Ebrima"/>
+        <a:font script="Olck" typeface="Nirmala UI"/>
+        <a:font script="Osma" typeface="Ebrima"/>
+        <a:font script="Phag" typeface="Phagspa"/>
+        <a:font script="Syrn" typeface="Estrangelo Edessa"/>
+        <a:font script="Syrj" typeface="Estrangelo Edessa"/>
+        <a:font script="Syre" typeface="Estrangelo Edessa"/>
+        <a:font script="Sora" typeface="Nirmala UI"/>
+        <a:font script="Tale" typeface="Microsoft Tai Le"/>
+        <a:font script="Talu" typeface="Microsoft New Tai Lue"/>
+        <a:font script="Tfng" typeface="Ebrima"/>
+      </a:majorFont>
+      <a:minorFont>
+        <a:latin typeface="Calibri" panose="020F0502020204030204"/>
+        <a:ea typeface=""/>
+        <a:cs typeface=""/>
+        <a:font script="Jpan" typeface="游ゴシック"/>
+        <a:font script="Hang" typeface="맑은 고딕"/>
+        <a:font script="Hans" typeface="等线"/>
+        <a:font script="Hant" typeface="新細明體"/>
+        <a:font script="Arab" typeface="Arial"/>
+        <a:font script="Hebr" typeface="Arial"/>
+        <a:font script="Thai" typeface="Cordia New"/>
+        <a:font script="Ethi" typeface="Nyala"/>
+        <a:font script="Beng" typeface="Vrinda"/>
+        <a:font script="Gujr" typeface="Shruti"/>
+        <a:font script="Khmr" typeface="DaunPenh"/>
+        <a:font script="Knda" typeface="Tunga"/>
+        <a:font script="Guru" typeface="Raavi"/>
+        <a:font script="Cans" typeface="Euphemia"/>
+        <a:font script="Cher" typeface="Plantagenet Cherokee"/>
+        <a:font script="Yiii" typeface="Microsoft Yi Baiti"/>
+        <a:font script="Tibt" typeface="Microsoft Himalaya"/>
+        <a:font script="Thaa" typeface="MV Boli"/>
+        <a:font script="Deva" typeface="Mangal"/>
+        <a:font script="Telu" typeface="Gautami"/>
+        <a:font script="Taml" typeface="Latha"/>
+        <a:font script="Syrc" typeface="Estrangelo Edessa"/>
+        <a:font script="Orya" typeface="Kalinga"/>
+        <a:font script="Mlym" typeface="Kartika"/>
+        <a:font script="Laoo" typeface="DokChampa"/>
+        <a:font script="Sinh" typeface="Iskoola Pota"/>
+        <a:font script="Mong" typeface="Mongolian Baiti"/>
+        <a:font script="Viet" typeface="Arial"/>
+        <a:font script="Uigh" typeface="Microsoft Uighur"/>
+        <a:font script="Geor" typeface="Sylfaen"/>
+        <a:font script="Armn" typeface="Arial"/>
+        <a:font script="Bugi" typeface="Leelawadee UI"/>
+        <a:font script="Bopo" typeface="Microsoft JhengHei"/>
+        <a:font script="Java" typeface="Javanese Text"/>
+        <a:font script="Lisu" typeface="Segoe UI"/>
+        <a:font script="Mymr" typeface="Myanmar Text"/>
+        <a:font script="Nkoo" typeface="Ebrima"/>
+        <a:font script="Olck" typeface="Nirmala UI"/>
+        <a:font script="Osma" typeface="Ebrima"/>
+        <a:font script="Phag" typeface="Phagspa"/>
+        <a:font script="Syrn" typeface="Estrangelo Edessa"/>
+        <a:font script="Syrj" typeface="Estrangelo Edessa"/>
+        <a:font script="Syre" typeface="Estrangelo Edessa"/>
+        <a:font script="Sora" typeface="Nirmala UI"/>
+        <a:font script="Tale" typeface="Microsoft Tai Le"/>
+        <a:font script="Talu" typeface="Microsoft New Tai Lue"/>
+        <a:font script="Tfng" typeface="Ebrima"/>
+      </a:minorFont>
+    </a:fontScheme>
+    <a:fmtScheme name="Office">
+      <a:fillStyleLst>
+        <a:solidFill>
+          <a:schemeClr val="phClr"/>
+        </a:solidFill>
+        <a:gradFill rotWithShape="1">
+          <a:gsLst>
+            <a:gs pos="0">
+              <a:schemeClr val="phClr">
+                <a:lumMod val="110000"/>
+                <a:satMod val="105000"/>
+                <a:tint val="67000"/>
+              </a:schemeClr>
+            </a:gs>
+            <a:gs pos="50000">
+              <a:schemeClr val="phClr">
+                <a:lumMod val="105000"/>
+                <a:satMod val="103000"/>
+                <a:tint val="73000"/>
+              </a:schemeClr>
+            </a:gs>
+            <a:gs pos="100000">
+              <a:schemeClr val="phClr">
+                <a:lumMod val="105000"/>
+                <a:satMod val="109000"/>
+                <a:tint val="81000"/>
+              </a:schemeClr>
+            </a:gs>
+          </a:gsLst>
+          <a:lin ang="5400000" scaled="0"/>
+        </a:gradFill>
+        <a:gradFill rotWithShape="1">
+          <a:gsLst>
+            <a:gs pos="0">
+              <a:schemeClr val="phClr">
+                <a:satMod val="103000"/>
+                <a:lumMod val="102000"/>
+                <a:tint val="94000"/>
+              </a:schemeClr>
+            </a:gs>
+            <a:gs pos="50000">
+              <a:schemeClr val="phClr">
+                <a:satMod val="110000"/>
+                <a:lumMod val="100000"/>
+                <a:shade val="100000"/>
+              </a:schemeClr>
+            </a:gs>
+            <a:gs pos="100000">
+              <a:schemeClr val="phClr">
+                <a:lumMod val="99000"/>
+                <a:satMod val="120000"/>
+                <a:shade val="78000"/>
+              </a:schemeClr>
+            </a:gs>
+          </a:gsLst>
+          <a:lin ang="5400000" scaled="0"/>
+        </a:gradFill>
+      </a:fillStyleLst>
+      <a:lnStyleLst>
+        <a:ln w="6350" cap="flat" cmpd="sng" algn="ctr">
+          <a:solidFill>
+            <a:schemeClr val="phClr"/>
+          </a:solidFill>
+          <a:prstDash val="solid"/>
+          <a:miter lim="800000"/>
+        </a:ln>
+        <a:ln w="12700" cap="flat" cmpd="sng" algn="ctr">
+          <a:solidFill>
+            <a:schemeClr val="phClr"/>
+          </a:solidFill>
+          <a:prstDash val="solid"/>
+          <a:miter lim="800000"/>
+        </a:ln>
+        <a:ln w="19050" cap="flat" cmpd="sng" algn="ctr">
+          <a:solidFill>
+            <a:schemeClr val="phClr"/>
+          </a:solidFill>
+          <a:prstDash val="solid"/>
+          <a:miter lim="800000"/>
+        </a:ln>
+      </a:lnStyleLst>
+      <a:effectStyleLst>
+        <a:effectStyle>
+          <a:effectLst/>
+        </a:effectStyle>
+        <a:effectStyle>
+          <a:effectLst/>
+        </a:effectStyle>
+        <a:effectStyle>
+          <a:effectLst>
+            <a:outerShdw blurRad="57150" dist="19050" dir="5400000" algn="ctr" rotWithShape="0">
+              <a:srgbClr val="000000">
+                <a:alpha val="63000"/>
+              </a:srgbClr>
+            </a:outerShdw>
+          </a:effectLst>
+        </a:effectStyle>
+      </a:effectStyleLst>
+      <a:bgFillStyleLst>
+        <a:solidFill>
+          <a:schemeClr val="phClr"/>
+        </a:solidFill>
+        <a:solidFill>
+          <a:schemeClr val="phClr">
+            <a:tint val="95000"/>
+            <a:satMod val="170000"/>
+          </a:schemeClr>
+        </a:solidFill>
+        <a:gradFill rotWithShape="1">
+          <a:gsLst>
+            <a:gs pos="0">
+              <a:schemeClr val="phClr">
+                <a:tint val="93000"/>
+                <a:satMod val="150000"/>
+                <a:shade val="98000"/>
+                <a:lumMod val="102000"/>
+              </a:schemeClr>
+            </a:gs>
+            <a:gs pos="50000">
+              <a:schemeClr val="phClr">
+                <a:tint val="98000"/>
+                <a:satMod val="130000"/>
+                <a:shade val="90000"/>
+                <a:lumMod val="103000"/>
+              </a:schemeClr>
+            </a:gs>
+            <a:gs pos="100000">
+              <a:schemeClr val="phClr">
+                <a:shade val="63000"/>
+                <a:satMod val="120000"/>
+              </a:schemeClr>
+            </a:gs>
+          </a:gsLst>
+          <a:lin ang="5400000" scaled="0"/>
+        </a:gradFill>
+      </a:bgFillStyleLst>
+    </a:fmtScheme>
+  </a:themeElements>
+  <a:objectDefaults/>
+  <a:extraClrSchemeLst/>
+  <a:extLst>
+    <a:ext uri="{05A4C25C-085E-4340-85A3-A5531E510DB2}">
+      <thm15:themeFamily xmlns:thm15="http://schemas.microsoft.com/office/thememl/2012/main" name="Office Theme" id="{62F939B6-93AF-4DB8-9C6B-D6C7DFDC589F}" vid="{4A3C46E8-61CC-4603-A589-7422A47A8E4A}"/>
+    </a:ext>
+  </a:extLst>
+</a:theme>
 </file>